--- a/3. Operators.pptx
+++ b/3. Operators.pptx
@@ -8,13 +8,18 @@
     <p:sldId id="262" r:id="rId2"/>
     <p:sldId id="263" r:id="rId3"/>
     <p:sldId id="265" r:id="rId4"/>
-    <p:sldId id="264" r:id="rId5"/>
-    <p:sldId id="266" r:id="rId6"/>
-    <p:sldId id="269" r:id="rId7"/>
-    <p:sldId id="267" r:id="rId8"/>
-    <p:sldId id="270" r:id="rId9"/>
-    <p:sldId id="268" r:id="rId10"/>
-    <p:sldId id="271" r:id="rId11"/>
+    <p:sldId id="272" r:id="rId5"/>
+    <p:sldId id="273" r:id="rId6"/>
+    <p:sldId id="276" r:id="rId7"/>
+    <p:sldId id="274" r:id="rId8"/>
+    <p:sldId id="275" r:id="rId9"/>
+    <p:sldId id="264" r:id="rId10"/>
+    <p:sldId id="266" r:id="rId11"/>
+    <p:sldId id="269" r:id="rId12"/>
+    <p:sldId id="267" r:id="rId13"/>
+    <p:sldId id="270" r:id="rId14"/>
+    <p:sldId id="268" r:id="rId15"/>
+    <p:sldId id="271" r:id="rId16"/>
   </p:sldIdLst>
   <p:sldSz cx="12192000" cy="6858000"/>
   <p:notesSz cx="6858000" cy="9144000"/>
@@ -4078,6 +4083,890 @@
           <p:cNvPr id="2" name="TextBox 1">
             <a:extLst>
               <a:ext uri="{FF2B5EF4-FFF2-40B4-BE49-F238E27FC236}">
+                <a16:creationId xmlns:a16="http://schemas.microsoft.com/office/drawing/2014/main" id="{D26FA23B-AFED-46E8-91EB-F49D46080A1B}"/>
+              </a:ext>
+            </a:extLst>
+          </p:cNvPr>
+          <p:cNvSpPr txBox="1"/>
+          <p:nvPr/>
+        </p:nvSpPr>
+        <p:spPr>
+          <a:xfrm>
+            <a:off x="4424709" y="203776"/>
+            <a:ext cx="3342582" cy="430887"/>
+          </a:xfrm>
+          <a:prstGeom prst="rect">
+            <a:avLst/>
+          </a:prstGeom>
+          <a:noFill/>
+        </p:spPr>
+        <p:txBody>
+          <a:bodyPr wrap="none" rtlCol="0">
+            <a:spAutoFit/>
+          </a:bodyPr>
+          <a:lstStyle/>
+          <a:p>
+            <a:r>
+              <a:rPr lang="en-US" sz="2200" b="1" dirty="0">
+                <a:solidFill>
+                  <a:srgbClr val="FF9000"/>
+                </a:solidFill>
+                <a:latin typeface="Montserrat" panose="00000500000000000000" pitchFamily="2" charset="0"/>
+              </a:rPr>
+              <a:t>Arithmetic Operators</a:t>
+            </a:r>
+          </a:p>
+        </p:txBody>
+      </p:sp>
+      <p:sp>
+        <p:nvSpPr>
+          <p:cNvPr id="3" name="TextBox 2">
+            <a:extLst>
+              <a:ext uri="{FF2B5EF4-FFF2-40B4-BE49-F238E27FC236}">
+                <a16:creationId xmlns:a16="http://schemas.microsoft.com/office/drawing/2014/main" id="{CAE67547-E8A3-4B98-A961-95DBEAC696C0}"/>
+              </a:ext>
+            </a:extLst>
+          </p:cNvPr>
+          <p:cNvSpPr txBox="1"/>
+          <p:nvPr/>
+        </p:nvSpPr>
+        <p:spPr>
+          <a:xfrm>
+            <a:off x="780928" y="1861218"/>
+            <a:ext cx="10530349" cy="2139047"/>
+          </a:xfrm>
+          <a:prstGeom prst="rect">
+            <a:avLst/>
+          </a:prstGeom>
+          <a:noFill/>
+        </p:spPr>
+        <p:txBody>
+          <a:bodyPr wrap="square">
+            <a:spAutoFit/>
+          </a:bodyPr>
+          <a:lstStyle/>
+          <a:p>
+            <a:pPr algn="ctr"/>
+            <a:r>
+              <a:rPr lang="en-US" sz="11500" dirty="0">
+                <a:solidFill>
+                  <a:srgbClr val="FF9000"/>
+                </a:solidFill>
+                <a:latin typeface="Montserrat" panose="00000500000000000000" pitchFamily="2" charset="0"/>
+                <a:ea typeface="open sans" panose="020B0606030504020204" pitchFamily="34" charset="0"/>
+                <a:cs typeface="open sans" panose="020B0606030504020204" pitchFamily="34" charset="0"/>
+              </a:rPr>
+              <a:t>“</a:t>
+            </a:r>
+            <a:r>
+              <a:rPr lang="en-US" dirty="0"/>
+              <a:t> </a:t>
+            </a:r>
+            <a:r>
+              <a:rPr lang="en-US" dirty="0">
+                <a:latin typeface="open sans" panose="020B0606030504020204" pitchFamily="34" charset="0"/>
+                <a:ea typeface="open sans" panose="020B0606030504020204" pitchFamily="34" charset="0"/>
+                <a:cs typeface="open sans" panose="020B0606030504020204" pitchFamily="34" charset="0"/>
+              </a:rPr>
+              <a:t>An arithmetic operator is a mathematical function that takes two operands and performs a calculation on them</a:t>
+            </a:r>
+          </a:p>
+        </p:txBody>
+      </p:sp>
+    </p:spTree>
+    <p:extLst>
+      <p:ext uri="{BB962C8B-B14F-4D97-AF65-F5344CB8AC3E}">
+        <p14:creationId xmlns:p14="http://schemas.microsoft.com/office/powerpoint/2010/main" val="4033014064"/>
+      </p:ext>
+    </p:extLst>
+  </p:cSld>
+  <p:clrMapOvr>
+    <a:masterClrMapping/>
+  </p:clrMapOvr>
+  <p:timing>
+    <p:tnLst>
+      <p:par>
+        <p:cTn id="1" dur="indefinite" restart="never" nodeType="tmRoot">
+          <p:childTnLst>
+            <p:seq concurrent="1" nextAc="seek">
+              <p:cTn id="2" dur="indefinite" nodeType="mainSeq">
+                <p:childTnLst>
+                  <p:par>
+                    <p:cTn id="3" fill="hold">
+                      <p:stCondLst>
+                        <p:cond delay="indefinite"/>
+                      </p:stCondLst>
+                      <p:childTnLst>
+                        <p:par>
+                          <p:cTn id="4" fill="hold">
+                            <p:stCondLst>
+                              <p:cond delay="0"/>
+                            </p:stCondLst>
+                            <p:childTnLst>
+                              <p:par>
+                                <p:cTn id="5" presetID="10" presetClass="entr" presetSubtype="0" fill="hold" grpId="0" nodeType="clickEffect">
+                                  <p:stCondLst>
+                                    <p:cond delay="0"/>
+                                  </p:stCondLst>
+                                  <p:childTnLst>
+                                    <p:set>
+                                      <p:cBhvr>
+                                        <p:cTn id="6" dur="1" fill="hold">
+                                          <p:stCondLst>
+                                            <p:cond delay="0"/>
+                                          </p:stCondLst>
+                                        </p:cTn>
+                                        <p:tgtEl>
+                                          <p:spTgt spid="3"/>
+                                        </p:tgtEl>
+                                        <p:attrNameLst>
+                                          <p:attrName>style.visibility</p:attrName>
+                                        </p:attrNameLst>
+                                      </p:cBhvr>
+                                      <p:to>
+                                        <p:strVal val="visible"/>
+                                      </p:to>
+                                    </p:set>
+                                    <p:animEffect transition="in" filter="fade">
+                                      <p:cBhvr>
+                                        <p:cTn id="7" dur="500"/>
+                                        <p:tgtEl>
+                                          <p:spTgt spid="3"/>
+                                        </p:tgtEl>
+                                      </p:cBhvr>
+                                    </p:animEffect>
+                                  </p:childTnLst>
+                                </p:cTn>
+                              </p:par>
+                            </p:childTnLst>
+                          </p:cTn>
+                        </p:par>
+                      </p:childTnLst>
+                    </p:cTn>
+                  </p:par>
+                </p:childTnLst>
+              </p:cTn>
+              <p:prevCondLst>
+                <p:cond evt="onPrev" delay="0">
+                  <p:tgtEl>
+                    <p:sldTgt/>
+                  </p:tgtEl>
+                </p:cond>
+              </p:prevCondLst>
+              <p:nextCondLst>
+                <p:cond evt="onNext" delay="0">
+                  <p:tgtEl>
+                    <p:sldTgt/>
+                  </p:tgtEl>
+                </p:cond>
+              </p:nextCondLst>
+            </p:seq>
+          </p:childTnLst>
+        </p:cTn>
+      </p:par>
+    </p:tnLst>
+    <p:bldLst>
+      <p:bldP spid="3" grpId="0"/>
+    </p:bldLst>
+  </p:timing>
+</p:sld>
+</file>
+
+<file path=ppt/slides/slide11.xml><?xml version="1.0" encoding="utf-8"?>
+<p:sld xmlns:a="http://schemas.openxmlformats.org/drawingml/2006/main" xmlns:r="http://schemas.openxmlformats.org/officeDocument/2006/relationships" xmlns:p="http://schemas.openxmlformats.org/presentationml/2006/main">
+  <p:cSld>
+    <p:spTree>
+      <p:nvGrpSpPr>
+        <p:cNvPr id="1" name=""/>
+        <p:cNvGrpSpPr/>
+        <p:nvPr/>
+      </p:nvGrpSpPr>
+      <p:grpSpPr>
+        <a:xfrm>
+          <a:off x="0" y="0"/>
+          <a:ext cx="0" cy="0"/>
+          <a:chOff x="0" y="0"/>
+          <a:chExt cx="0" cy="0"/>
+        </a:xfrm>
+      </p:grpSpPr>
+      <p:sp>
+        <p:nvSpPr>
+          <p:cNvPr id="2" name="TextBox 1">
+            <a:extLst>
+              <a:ext uri="{FF2B5EF4-FFF2-40B4-BE49-F238E27FC236}">
+                <a16:creationId xmlns:a16="http://schemas.microsoft.com/office/drawing/2014/main" id="{92238AEF-3B1F-4B32-9EC7-92AEA2A5CCB8}"/>
+              </a:ext>
+            </a:extLst>
+          </p:cNvPr>
+          <p:cNvSpPr txBox="1"/>
+          <p:nvPr/>
+        </p:nvSpPr>
+        <p:spPr>
+          <a:xfrm>
+            <a:off x="1180011" y="1740068"/>
+            <a:ext cx="10544874" cy="1015663"/>
+          </a:xfrm>
+          <a:prstGeom prst="rect">
+            <a:avLst/>
+          </a:prstGeom>
+          <a:noFill/>
+        </p:spPr>
+        <p:txBody>
+          <a:bodyPr wrap="none" rtlCol="0">
+            <a:spAutoFit/>
+          </a:bodyPr>
+          <a:lstStyle/>
+          <a:p>
+            <a:r>
+              <a:rPr lang="en-US" sz="6000" b="1" dirty="0">
+                <a:solidFill>
+                  <a:srgbClr val="FFC000"/>
+                </a:solidFill>
+              </a:rPr>
+              <a:t>*                     /                             %</a:t>
+            </a:r>
+            <a:endParaRPr lang="en-US" sz="2800" b="1" dirty="0">
+              <a:solidFill>
+                <a:srgbClr val="FFC000"/>
+              </a:solidFill>
+            </a:endParaRPr>
+          </a:p>
+        </p:txBody>
+      </p:sp>
+      <p:sp>
+        <p:nvSpPr>
+          <p:cNvPr id="3" name="TextBox 2">
+            <a:extLst>
+              <a:ext uri="{FF2B5EF4-FFF2-40B4-BE49-F238E27FC236}">
+                <a16:creationId xmlns:a16="http://schemas.microsoft.com/office/drawing/2014/main" id="{0E2A5E58-E042-4115-9942-DBA9648BC7FE}"/>
+              </a:ext>
+            </a:extLst>
+          </p:cNvPr>
+          <p:cNvSpPr txBox="1"/>
+          <p:nvPr/>
+        </p:nvSpPr>
+        <p:spPr>
+          <a:xfrm>
+            <a:off x="4247675" y="3712426"/>
+            <a:ext cx="2725426" cy="1015663"/>
+          </a:xfrm>
+          <a:prstGeom prst="rect">
+            <a:avLst/>
+          </a:prstGeom>
+          <a:noFill/>
+        </p:spPr>
+        <p:txBody>
+          <a:bodyPr wrap="none" rtlCol="0">
+            <a:spAutoFit/>
+          </a:bodyPr>
+          <a:lstStyle/>
+          <a:p>
+            <a:r>
+              <a:rPr lang="en-US" sz="6000" b="1" dirty="0">
+                <a:solidFill>
+                  <a:srgbClr val="FFC000"/>
+                </a:solidFill>
+              </a:rPr>
+              <a:t>+           -</a:t>
+            </a:r>
+            <a:endParaRPr lang="en-US" sz="2800" b="1" dirty="0">
+              <a:solidFill>
+                <a:srgbClr val="FFC000"/>
+              </a:solidFill>
+            </a:endParaRPr>
+          </a:p>
+        </p:txBody>
+      </p:sp>
+    </p:spTree>
+    <p:extLst>
+      <p:ext uri="{BB962C8B-B14F-4D97-AF65-F5344CB8AC3E}">
+        <p14:creationId xmlns:p14="http://schemas.microsoft.com/office/powerpoint/2010/main" val="1875640526"/>
+      </p:ext>
+    </p:extLst>
+  </p:cSld>
+  <p:clrMapOvr>
+    <a:masterClrMapping/>
+  </p:clrMapOvr>
+</p:sld>
+</file>
+
+<file path=ppt/slides/slide12.xml><?xml version="1.0" encoding="utf-8"?>
+<p:sld xmlns:a="http://schemas.openxmlformats.org/drawingml/2006/main" xmlns:r="http://schemas.openxmlformats.org/officeDocument/2006/relationships" xmlns:p="http://schemas.openxmlformats.org/presentationml/2006/main">
+  <p:cSld>
+    <p:spTree>
+      <p:nvGrpSpPr>
+        <p:cNvPr id="1" name=""/>
+        <p:cNvGrpSpPr/>
+        <p:nvPr/>
+      </p:nvGrpSpPr>
+      <p:grpSpPr>
+        <a:xfrm>
+          <a:off x="0" y="0"/>
+          <a:ext cx="0" cy="0"/>
+          <a:chOff x="0" y="0"/>
+          <a:chExt cx="0" cy="0"/>
+        </a:xfrm>
+      </p:grpSpPr>
+      <p:sp>
+        <p:nvSpPr>
+          <p:cNvPr id="2" name="TextBox 1">
+            <a:extLst>
+              <a:ext uri="{FF2B5EF4-FFF2-40B4-BE49-F238E27FC236}">
+                <a16:creationId xmlns:a16="http://schemas.microsoft.com/office/drawing/2014/main" id="{D26FA23B-AFED-46E8-91EB-F49D46080A1B}"/>
+              </a:ext>
+            </a:extLst>
+          </p:cNvPr>
+          <p:cNvSpPr txBox="1"/>
+          <p:nvPr/>
+        </p:nvSpPr>
+        <p:spPr>
+          <a:xfrm>
+            <a:off x="4424709" y="203776"/>
+            <a:ext cx="3243196" cy="430887"/>
+          </a:xfrm>
+          <a:prstGeom prst="rect">
+            <a:avLst/>
+          </a:prstGeom>
+          <a:noFill/>
+        </p:spPr>
+        <p:txBody>
+          <a:bodyPr wrap="none" rtlCol="0">
+            <a:spAutoFit/>
+          </a:bodyPr>
+          <a:lstStyle/>
+          <a:p>
+            <a:r>
+              <a:rPr lang="en-US" sz="2200" b="1" dirty="0">
+                <a:solidFill>
+                  <a:srgbClr val="FF9000"/>
+                </a:solidFill>
+                <a:latin typeface="Montserrat" panose="00000500000000000000" pitchFamily="2" charset="0"/>
+              </a:rPr>
+              <a:t>Relational Operators</a:t>
+            </a:r>
+          </a:p>
+        </p:txBody>
+      </p:sp>
+      <p:sp>
+        <p:nvSpPr>
+          <p:cNvPr id="3" name="TextBox 2">
+            <a:extLst>
+              <a:ext uri="{FF2B5EF4-FFF2-40B4-BE49-F238E27FC236}">
+                <a16:creationId xmlns:a16="http://schemas.microsoft.com/office/drawing/2014/main" id="{CAE67547-E8A3-4B98-A961-95DBEAC696C0}"/>
+              </a:ext>
+            </a:extLst>
+          </p:cNvPr>
+          <p:cNvSpPr txBox="1"/>
+          <p:nvPr/>
+        </p:nvSpPr>
+        <p:spPr>
+          <a:xfrm>
+            <a:off x="780928" y="1861218"/>
+            <a:ext cx="10530349" cy="2139047"/>
+          </a:xfrm>
+          <a:prstGeom prst="rect">
+            <a:avLst/>
+          </a:prstGeom>
+          <a:noFill/>
+        </p:spPr>
+        <p:txBody>
+          <a:bodyPr wrap="square">
+            <a:spAutoFit/>
+          </a:bodyPr>
+          <a:lstStyle/>
+          <a:p>
+            <a:pPr algn="ctr"/>
+            <a:r>
+              <a:rPr lang="en-US" sz="11500" dirty="0">
+                <a:solidFill>
+                  <a:srgbClr val="FF9000"/>
+                </a:solidFill>
+                <a:latin typeface="Montserrat" panose="00000500000000000000" pitchFamily="2" charset="0"/>
+                <a:ea typeface="open sans" panose="020B0606030504020204" pitchFamily="34" charset="0"/>
+                <a:cs typeface="open sans" panose="020B0606030504020204" pitchFamily="34" charset="0"/>
+              </a:rPr>
+              <a:t>“</a:t>
+            </a:r>
+            <a:r>
+              <a:rPr lang="en-US" dirty="0">
+                <a:latin typeface="open sans" panose="020B0606030504020204" pitchFamily="34" charset="0"/>
+                <a:ea typeface="open sans" panose="020B0606030504020204" pitchFamily="34" charset="0"/>
+                <a:cs typeface="open sans" panose="020B0606030504020204" pitchFamily="34" charset="0"/>
+              </a:rPr>
+              <a:t>Relational operators allow us compare values to determine if one is greater than, less than, equal to, or not equal to another.</a:t>
+            </a:r>
+          </a:p>
+        </p:txBody>
+      </p:sp>
+    </p:spTree>
+    <p:extLst>
+      <p:ext uri="{BB962C8B-B14F-4D97-AF65-F5344CB8AC3E}">
+        <p14:creationId xmlns:p14="http://schemas.microsoft.com/office/powerpoint/2010/main" val="620331381"/>
+      </p:ext>
+    </p:extLst>
+  </p:cSld>
+  <p:clrMapOvr>
+    <a:masterClrMapping/>
+  </p:clrMapOvr>
+  <p:timing>
+    <p:tnLst>
+      <p:par>
+        <p:cTn id="1" dur="indefinite" restart="never" nodeType="tmRoot">
+          <p:childTnLst>
+            <p:seq concurrent="1" nextAc="seek">
+              <p:cTn id="2" dur="indefinite" nodeType="mainSeq">
+                <p:childTnLst>
+                  <p:par>
+                    <p:cTn id="3" fill="hold">
+                      <p:stCondLst>
+                        <p:cond delay="indefinite"/>
+                      </p:stCondLst>
+                      <p:childTnLst>
+                        <p:par>
+                          <p:cTn id="4" fill="hold">
+                            <p:stCondLst>
+                              <p:cond delay="0"/>
+                            </p:stCondLst>
+                            <p:childTnLst>
+                              <p:par>
+                                <p:cTn id="5" presetID="10" presetClass="entr" presetSubtype="0" fill="hold" grpId="0" nodeType="clickEffect">
+                                  <p:stCondLst>
+                                    <p:cond delay="0"/>
+                                  </p:stCondLst>
+                                  <p:childTnLst>
+                                    <p:set>
+                                      <p:cBhvr>
+                                        <p:cTn id="6" dur="1" fill="hold">
+                                          <p:stCondLst>
+                                            <p:cond delay="0"/>
+                                          </p:stCondLst>
+                                        </p:cTn>
+                                        <p:tgtEl>
+                                          <p:spTgt spid="3"/>
+                                        </p:tgtEl>
+                                        <p:attrNameLst>
+                                          <p:attrName>style.visibility</p:attrName>
+                                        </p:attrNameLst>
+                                      </p:cBhvr>
+                                      <p:to>
+                                        <p:strVal val="visible"/>
+                                      </p:to>
+                                    </p:set>
+                                    <p:animEffect transition="in" filter="fade">
+                                      <p:cBhvr>
+                                        <p:cTn id="7" dur="500"/>
+                                        <p:tgtEl>
+                                          <p:spTgt spid="3"/>
+                                        </p:tgtEl>
+                                      </p:cBhvr>
+                                    </p:animEffect>
+                                  </p:childTnLst>
+                                </p:cTn>
+                              </p:par>
+                            </p:childTnLst>
+                          </p:cTn>
+                        </p:par>
+                      </p:childTnLst>
+                    </p:cTn>
+                  </p:par>
+                </p:childTnLst>
+              </p:cTn>
+              <p:prevCondLst>
+                <p:cond evt="onPrev" delay="0">
+                  <p:tgtEl>
+                    <p:sldTgt/>
+                  </p:tgtEl>
+                </p:cond>
+              </p:prevCondLst>
+              <p:nextCondLst>
+                <p:cond evt="onNext" delay="0">
+                  <p:tgtEl>
+                    <p:sldTgt/>
+                  </p:tgtEl>
+                </p:cond>
+              </p:nextCondLst>
+            </p:seq>
+          </p:childTnLst>
+        </p:cTn>
+      </p:par>
+    </p:tnLst>
+    <p:bldLst>
+      <p:bldP spid="3" grpId="0"/>
+    </p:bldLst>
+  </p:timing>
+</p:sld>
+</file>
+
+<file path=ppt/slides/slide13.xml><?xml version="1.0" encoding="utf-8"?>
+<p:sld xmlns:a="http://schemas.openxmlformats.org/drawingml/2006/main" xmlns:r="http://schemas.openxmlformats.org/officeDocument/2006/relationships" xmlns:p="http://schemas.openxmlformats.org/presentationml/2006/main">
+  <p:cSld>
+    <p:spTree>
+      <p:nvGrpSpPr>
+        <p:cNvPr id="1" name=""/>
+        <p:cNvGrpSpPr/>
+        <p:nvPr/>
+      </p:nvGrpSpPr>
+      <p:grpSpPr>
+        <a:xfrm>
+          <a:off x="0" y="0"/>
+          <a:ext cx="0" cy="0"/>
+          <a:chOff x="0" y="0"/>
+          <a:chExt cx="0" cy="0"/>
+        </a:xfrm>
+      </p:grpSpPr>
+      <p:sp>
+        <p:nvSpPr>
+          <p:cNvPr id="2" name="TextBox 1">
+            <a:extLst>
+              <a:ext uri="{FF2B5EF4-FFF2-40B4-BE49-F238E27FC236}">
+                <a16:creationId xmlns:a16="http://schemas.microsoft.com/office/drawing/2014/main" id="{92238AEF-3B1F-4B32-9EC7-92AEA2A5CCB8}"/>
+              </a:ext>
+            </a:extLst>
+          </p:cNvPr>
+          <p:cNvSpPr txBox="1"/>
+          <p:nvPr/>
+        </p:nvSpPr>
+        <p:spPr>
+          <a:xfrm>
+            <a:off x="1180011" y="1740068"/>
+            <a:ext cx="10104048" cy="1015663"/>
+          </a:xfrm>
+          <a:prstGeom prst="rect">
+            <a:avLst/>
+          </a:prstGeom>
+          <a:noFill/>
+        </p:spPr>
+        <p:txBody>
+          <a:bodyPr wrap="none" rtlCol="0">
+            <a:spAutoFit/>
+          </a:bodyPr>
+          <a:lstStyle/>
+          <a:p>
+            <a:r>
+              <a:rPr lang="en-US" sz="6000" b="1" dirty="0">
+                <a:solidFill>
+                  <a:srgbClr val="FFC000"/>
+                </a:solidFill>
+              </a:rPr>
+              <a:t>==                     &lt;                           &gt;</a:t>
+            </a:r>
+            <a:endParaRPr lang="en-US" sz="2800" b="1" dirty="0">
+              <a:solidFill>
+                <a:srgbClr val="FFC000"/>
+              </a:solidFill>
+            </a:endParaRPr>
+          </a:p>
+        </p:txBody>
+      </p:sp>
+      <p:sp>
+        <p:nvSpPr>
+          <p:cNvPr id="3" name="TextBox 2">
+            <a:extLst>
+              <a:ext uri="{FF2B5EF4-FFF2-40B4-BE49-F238E27FC236}">
+                <a16:creationId xmlns:a16="http://schemas.microsoft.com/office/drawing/2014/main" id="{0E2A5E58-E042-4115-9942-DBA9648BC7FE}"/>
+              </a:ext>
+            </a:extLst>
+          </p:cNvPr>
+          <p:cNvSpPr txBox="1"/>
+          <p:nvPr/>
+        </p:nvSpPr>
+        <p:spPr>
+          <a:xfrm>
+            <a:off x="1211589" y="3712426"/>
+            <a:ext cx="10104047" cy="1015663"/>
+          </a:xfrm>
+          <a:prstGeom prst="rect">
+            <a:avLst/>
+          </a:prstGeom>
+          <a:noFill/>
+        </p:spPr>
+        <p:txBody>
+          <a:bodyPr wrap="square" rtlCol="0">
+            <a:spAutoFit/>
+          </a:bodyPr>
+          <a:lstStyle/>
+          <a:p>
+            <a:r>
+              <a:rPr lang="en-US" sz="6000" b="1" dirty="0">
+                <a:solidFill>
+                  <a:srgbClr val="FFC000"/>
+                </a:solidFill>
+              </a:rPr>
+              <a:t>&lt;=                  &gt;=                          !=</a:t>
+            </a:r>
+            <a:endParaRPr lang="en-US" sz="2800" b="1" dirty="0">
+              <a:solidFill>
+                <a:srgbClr val="FFC000"/>
+              </a:solidFill>
+            </a:endParaRPr>
+          </a:p>
+        </p:txBody>
+      </p:sp>
+    </p:spTree>
+    <p:extLst>
+      <p:ext uri="{BB962C8B-B14F-4D97-AF65-F5344CB8AC3E}">
+        <p14:creationId xmlns:p14="http://schemas.microsoft.com/office/powerpoint/2010/main" val="2290184409"/>
+      </p:ext>
+    </p:extLst>
+  </p:cSld>
+  <p:clrMapOvr>
+    <a:masterClrMapping/>
+  </p:clrMapOvr>
+</p:sld>
+</file>
+
+<file path=ppt/slides/slide14.xml><?xml version="1.0" encoding="utf-8"?>
+<p:sld xmlns:a="http://schemas.openxmlformats.org/drawingml/2006/main" xmlns:r="http://schemas.openxmlformats.org/officeDocument/2006/relationships" xmlns:p="http://schemas.openxmlformats.org/presentationml/2006/main">
+  <p:cSld>
+    <p:spTree>
+      <p:nvGrpSpPr>
+        <p:cNvPr id="1" name=""/>
+        <p:cNvGrpSpPr/>
+        <p:nvPr/>
+      </p:nvGrpSpPr>
+      <p:grpSpPr>
+        <a:xfrm>
+          <a:off x="0" y="0"/>
+          <a:ext cx="0" cy="0"/>
+          <a:chOff x="0" y="0"/>
+          <a:chExt cx="0" cy="0"/>
+        </a:xfrm>
+      </p:grpSpPr>
+      <p:sp>
+        <p:nvSpPr>
+          <p:cNvPr id="2" name="TextBox 1">
+            <a:extLst>
+              <a:ext uri="{FF2B5EF4-FFF2-40B4-BE49-F238E27FC236}">
+                <a16:creationId xmlns:a16="http://schemas.microsoft.com/office/drawing/2014/main" id="{D26FA23B-AFED-46E8-91EB-F49D46080A1B}"/>
+              </a:ext>
+            </a:extLst>
+          </p:cNvPr>
+          <p:cNvSpPr txBox="1"/>
+          <p:nvPr/>
+        </p:nvSpPr>
+        <p:spPr>
+          <a:xfrm>
+            <a:off x="3849522" y="233273"/>
+            <a:ext cx="4735592" cy="430887"/>
+          </a:xfrm>
+          <a:prstGeom prst="rect">
+            <a:avLst/>
+          </a:prstGeom>
+          <a:noFill/>
+        </p:spPr>
+        <p:txBody>
+          <a:bodyPr wrap="none" rtlCol="0">
+            <a:spAutoFit/>
+          </a:bodyPr>
+          <a:lstStyle/>
+          <a:p>
+            <a:r>
+              <a:rPr lang="en-US" sz="2200" b="1" dirty="0">
+                <a:solidFill>
+                  <a:srgbClr val="FF9000"/>
+                </a:solidFill>
+                <a:latin typeface="Montserrat" panose="00000500000000000000" pitchFamily="2" charset="0"/>
+              </a:rPr>
+              <a:t>Logical / Compound Operators</a:t>
+            </a:r>
+          </a:p>
+        </p:txBody>
+      </p:sp>
+      <p:sp>
+        <p:nvSpPr>
+          <p:cNvPr id="3" name="TextBox 2">
+            <a:extLst>
+              <a:ext uri="{FF2B5EF4-FFF2-40B4-BE49-F238E27FC236}">
+                <a16:creationId xmlns:a16="http://schemas.microsoft.com/office/drawing/2014/main" id="{CAE67547-E8A3-4B98-A961-95DBEAC696C0}"/>
+              </a:ext>
+            </a:extLst>
+          </p:cNvPr>
+          <p:cNvSpPr txBox="1"/>
+          <p:nvPr/>
+        </p:nvSpPr>
+        <p:spPr>
+          <a:xfrm>
+            <a:off x="619433" y="1890715"/>
+            <a:ext cx="11031794" cy="2693045"/>
+          </a:xfrm>
+          <a:prstGeom prst="rect">
+            <a:avLst/>
+          </a:prstGeom>
+          <a:noFill/>
+        </p:spPr>
+        <p:txBody>
+          <a:bodyPr wrap="square">
+            <a:spAutoFit/>
+          </a:bodyPr>
+          <a:lstStyle/>
+          <a:p>
+            <a:pPr algn="ctr"/>
+            <a:r>
+              <a:rPr lang="en-US" sz="11500" dirty="0">
+                <a:solidFill>
+                  <a:srgbClr val="FF9000"/>
+                </a:solidFill>
+                <a:latin typeface="Montserrat" panose="00000500000000000000" pitchFamily="2" charset="0"/>
+                <a:ea typeface="open sans" panose="020B0606030504020204" pitchFamily="34" charset="0"/>
+                <a:cs typeface="open sans" panose="020B0606030504020204" pitchFamily="34" charset="0"/>
+              </a:rPr>
+              <a:t>“</a:t>
+            </a:r>
+            <a:r>
+              <a:rPr lang="en-US" dirty="0"/>
+              <a:t> </a:t>
+            </a:r>
+            <a:r>
+              <a:rPr lang="en-US" dirty="0">
+                <a:latin typeface="open sans" panose="020B0606030504020204" pitchFamily="34" charset="0"/>
+                <a:ea typeface="open sans" panose="020B0606030504020204" pitchFamily="34" charset="0"/>
+                <a:cs typeface="open sans" panose="020B0606030504020204" pitchFamily="34" charset="0"/>
+              </a:rPr>
+              <a:t>A logical operator is a symbol or word used to connect two or more expressions such that the value of the compound expression produced depends only on that of the original expressions and on </a:t>
+            </a:r>
+          </a:p>
+          <a:p>
+            <a:pPr algn="ctr"/>
+            <a:endParaRPr lang="en-US" dirty="0">
+              <a:latin typeface="open sans" panose="020B0606030504020204" pitchFamily="34" charset="0"/>
+              <a:ea typeface="open sans" panose="020B0606030504020204" pitchFamily="34" charset="0"/>
+              <a:cs typeface="open sans" panose="020B0606030504020204" pitchFamily="34" charset="0"/>
+            </a:endParaRPr>
+          </a:p>
+          <a:p>
+            <a:pPr algn="ctr"/>
+            <a:r>
+              <a:rPr lang="en-US" dirty="0">
+                <a:latin typeface="open sans" panose="020B0606030504020204" pitchFamily="34" charset="0"/>
+                <a:ea typeface="open sans" panose="020B0606030504020204" pitchFamily="34" charset="0"/>
+                <a:cs typeface="open sans" panose="020B0606030504020204" pitchFamily="34" charset="0"/>
+              </a:rPr>
+              <a:t>the meaning of the operator.</a:t>
+            </a:r>
+          </a:p>
+        </p:txBody>
+      </p:sp>
+    </p:spTree>
+    <p:extLst>
+      <p:ext uri="{BB962C8B-B14F-4D97-AF65-F5344CB8AC3E}">
+        <p14:creationId xmlns:p14="http://schemas.microsoft.com/office/powerpoint/2010/main" val="1190130698"/>
+      </p:ext>
+    </p:extLst>
+  </p:cSld>
+  <p:clrMapOvr>
+    <a:masterClrMapping/>
+  </p:clrMapOvr>
+  <p:timing>
+    <p:tnLst>
+      <p:par>
+        <p:cTn id="1" dur="indefinite" restart="never" nodeType="tmRoot">
+          <p:childTnLst>
+            <p:seq concurrent="1" nextAc="seek">
+              <p:cTn id="2" dur="indefinite" nodeType="mainSeq">
+                <p:childTnLst>
+                  <p:par>
+                    <p:cTn id="3" fill="hold">
+                      <p:stCondLst>
+                        <p:cond delay="indefinite"/>
+                      </p:stCondLst>
+                      <p:childTnLst>
+                        <p:par>
+                          <p:cTn id="4" fill="hold">
+                            <p:stCondLst>
+                              <p:cond delay="0"/>
+                            </p:stCondLst>
+                            <p:childTnLst>
+                              <p:par>
+                                <p:cTn id="5" presetID="10" presetClass="entr" presetSubtype="0" fill="hold" grpId="0" nodeType="clickEffect">
+                                  <p:stCondLst>
+                                    <p:cond delay="0"/>
+                                  </p:stCondLst>
+                                  <p:childTnLst>
+                                    <p:set>
+                                      <p:cBhvr>
+                                        <p:cTn id="6" dur="1" fill="hold">
+                                          <p:stCondLst>
+                                            <p:cond delay="0"/>
+                                          </p:stCondLst>
+                                        </p:cTn>
+                                        <p:tgtEl>
+                                          <p:spTgt spid="3"/>
+                                        </p:tgtEl>
+                                        <p:attrNameLst>
+                                          <p:attrName>style.visibility</p:attrName>
+                                        </p:attrNameLst>
+                                      </p:cBhvr>
+                                      <p:to>
+                                        <p:strVal val="visible"/>
+                                      </p:to>
+                                    </p:set>
+                                    <p:animEffect transition="in" filter="fade">
+                                      <p:cBhvr>
+                                        <p:cTn id="7" dur="500"/>
+                                        <p:tgtEl>
+                                          <p:spTgt spid="3"/>
+                                        </p:tgtEl>
+                                      </p:cBhvr>
+                                    </p:animEffect>
+                                  </p:childTnLst>
+                                </p:cTn>
+                              </p:par>
+                            </p:childTnLst>
+                          </p:cTn>
+                        </p:par>
+                      </p:childTnLst>
+                    </p:cTn>
+                  </p:par>
+                </p:childTnLst>
+              </p:cTn>
+              <p:prevCondLst>
+                <p:cond evt="onPrev" delay="0">
+                  <p:tgtEl>
+                    <p:sldTgt/>
+                  </p:tgtEl>
+                </p:cond>
+              </p:prevCondLst>
+              <p:nextCondLst>
+                <p:cond evt="onNext" delay="0">
+                  <p:tgtEl>
+                    <p:sldTgt/>
+                  </p:tgtEl>
+                </p:cond>
+              </p:nextCondLst>
+            </p:seq>
+          </p:childTnLst>
+        </p:cTn>
+      </p:par>
+    </p:tnLst>
+    <p:bldLst>
+      <p:bldP spid="3" grpId="0"/>
+    </p:bldLst>
+  </p:timing>
+</p:sld>
+</file>
+
+<file path=ppt/slides/slide15.xml><?xml version="1.0" encoding="utf-8"?>
+<p:sld xmlns:a="http://schemas.openxmlformats.org/drawingml/2006/main" xmlns:r="http://schemas.openxmlformats.org/officeDocument/2006/relationships" xmlns:p="http://schemas.openxmlformats.org/presentationml/2006/main">
+  <p:cSld>
+    <p:spTree>
+      <p:nvGrpSpPr>
+        <p:cNvPr id="1" name=""/>
+        <p:cNvGrpSpPr/>
+        <p:nvPr/>
+      </p:nvGrpSpPr>
+      <p:grpSpPr>
+        <a:xfrm>
+          <a:off x="0" y="0"/>
+          <a:ext cx="0" cy="0"/>
+          <a:chOff x="0" y="0"/>
+          <a:chExt cx="0" cy="0"/>
+        </a:xfrm>
+      </p:grpSpPr>
+      <p:sp>
+        <p:nvSpPr>
+          <p:cNvPr id="2" name="TextBox 1">
+            <a:extLst>
+              <a:ext uri="{FF2B5EF4-FFF2-40B4-BE49-F238E27FC236}">
                 <a16:creationId xmlns:a16="http://schemas.microsoft.com/office/drawing/2014/main" id="{8A5E9757-AE5A-4BB3-8750-9BA73BE0C2D6}"/>
               </a:ext>
             </a:extLst>
@@ -4126,8 +5015,8 @@
         </p:nvSpPr>
         <p:spPr>
           <a:xfrm flipH="1">
-            <a:off x="956187" y="3795843"/>
-            <a:ext cx="10279626" cy="1107996"/>
+            <a:off x="1887794" y="3028890"/>
+            <a:ext cx="8908026" cy="400110"/>
           </a:xfrm>
           <a:prstGeom prst="rect">
             <a:avLst/>
@@ -4141,12 +5030,8 @@
           <a:lstStyle/>
           <a:p>
             <a:r>
-              <a:rPr lang="en-US" sz="6600" b="1" dirty="0">
-                <a:solidFill>
-                  <a:srgbClr val="FFC000"/>
-                </a:solidFill>
-              </a:rPr>
-              <a:t>AND               OR                NOT</a:t>
+              <a:rPr lang="en-US" sz="2000" b="1" dirty="0"/>
+              <a:t>AND                                                            OR                                                                      NOT</a:t>
             </a:r>
           </a:p>
         </p:txBody>
@@ -4583,6 +5468,1185 @@
 </file>
 
 <file path=ppt/slides/slide4.xml><?xml version="1.0" encoding="utf-8"?>
+<p:sld xmlns:a="http://schemas.openxmlformats.org/drawingml/2006/main" xmlns:r="http://schemas.openxmlformats.org/officeDocument/2006/relationships" xmlns:p="http://schemas.openxmlformats.org/presentationml/2006/main">
+  <p:cSld>
+    <p:spTree>
+      <p:nvGrpSpPr>
+        <p:cNvPr id="1" name=""/>
+        <p:cNvGrpSpPr/>
+        <p:nvPr/>
+      </p:nvGrpSpPr>
+      <p:grpSpPr>
+        <a:xfrm>
+          <a:off x="0" y="0"/>
+          <a:ext cx="0" cy="0"/>
+          <a:chOff x="0" y="0"/>
+          <a:chExt cx="0" cy="0"/>
+        </a:xfrm>
+      </p:grpSpPr>
+      <p:sp>
+        <p:nvSpPr>
+          <p:cNvPr id="2" name="TextBox 1">
+            <a:extLst>
+              <a:ext uri="{FF2B5EF4-FFF2-40B4-BE49-F238E27FC236}">
+                <a16:creationId xmlns:a16="http://schemas.microsoft.com/office/drawing/2014/main" id="{91606C7B-593F-4F0B-8BD6-E8FE7B037301}"/>
+              </a:ext>
+            </a:extLst>
+          </p:cNvPr>
+          <p:cNvSpPr txBox="1"/>
+          <p:nvPr/>
+        </p:nvSpPr>
+        <p:spPr>
+          <a:xfrm>
+            <a:off x="5210778" y="174279"/>
+            <a:ext cx="1970411" cy="430887"/>
+          </a:xfrm>
+          <a:prstGeom prst="rect">
+            <a:avLst/>
+          </a:prstGeom>
+          <a:noFill/>
+        </p:spPr>
+        <p:txBody>
+          <a:bodyPr wrap="none" rtlCol="0">
+            <a:spAutoFit/>
+          </a:bodyPr>
+          <a:lstStyle/>
+          <a:p>
+            <a:r>
+              <a:rPr lang="en-US" sz="2200" b="1" dirty="0">
+                <a:solidFill>
+                  <a:srgbClr val="FF9000"/>
+                </a:solidFill>
+                <a:latin typeface="Montserrat" panose="00000500000000000000" pitchFamily="2" charset="0"/>
+              </a:rPr>
+              <a:t>Assignment</a:t>
+            </a:r>
+          </a:p>
+        </p:txBody>
+      </p:sp>
+      <p:sp>
+        <p:nvSpPr>
+          <p:cNvPr id="3" name="TextBox 2">
+            <a:extLst>
+              <a:ext uri="{FF2B5EF4-FFF2-40B4-BE49-F238E27FC236}">
+                <a16:creationId xmlns:a16="http://schemas.microsoft.com/office/drawing/2014/main" id="{AC5F3582-984F-4897-87B2-AEED389973C0}"/>
+              </a:ext>
+            </a:extLst>
+          </p:cNvPr>
+          <p:cNvSpPr txBox="1"/>
+          <p:nvPr/>
+        </p:nvSpPr>
+        <p:spPr>
+          <a:xfrm>
+            <a:off x="780928" y="1861218"/>
+            <a:ext cx="10530349" cy="2200602"/>
+          </a:xfrm>
+          <a:prstGeom prst="rect">
+            <a:avLst/>
+          </a:prstGeom>
+          <a:noFill/>
+        </p:spPr>
+        <p:txBody>
+          <a:bodyPr wrap="square">
+            <a:spAutoFit/>
+          </a:bodyPr>
+          <a:lstStyle/>
+          <a:p>
+            <a:pPr algn="ctr"/>
+            <a:r>
+              <a:rPr lang="en-US" sz="11500" dirty="0">
+                <a:solidFill>
+                  <a:srgbClr val="FF9000"/>
+                </a:solidFill>
+                <a:latin typeface="Montserrat" panose="00000500000000000000" pitchFamily="2" charset="0"/>
+                <a:ea typeface="open sans" panose="020B0606030504020204" pitchFamily="34" charset="0"/>
+                <a:cs typeface="open sans" panose="020B0606030504020204" pitchFamily="34" charset="0"/>
+              </a:rPr>
+              <a:t>“</a:t>
+            </a:r>
+            <a:r>
+              <a:rPr lang="en-US" sz="2200" dirty="0">
+                <a:latin typeface="Montserrat" panose="00000500000000000000" pitchFamily="2" charset="0"/>
+                <a:ea typeface="open sans" panose="020B0606030504020204" pitchFamily="34" charset="0"/>
+                <a:cs typeface="open sans" panose="020B0606030504020204" pitchFamily="34" charset="0"/>
+              </a:rPr>
+              <a:t>The process or act of </a:t>
+            </a:r>
+            <a:r>
+              <a:rPr lang="en-US" sz="2200" b="1" dirty="0">
+                <a:latin typeface="Montserrat" panose="00000500000000000000" pitchFamily="2" charset="0"/>
+                <a:ea typeface="open sans" panose="020B0606030504020204" pitchFamily="34" charset="0"/>
+                <a:cs typeface="open sans" panose="020B0606030504020204" pitchFamily="34" charset="0"/>
+              </a:rPr>
+              <a:t>giving a value to a variable </a:t>
+            </a:r>
+            <a:r>
+              <a:rPr lang="en-US" sz="2200" dirty="0">
+                <a:latin typeface="Montserrat" panose="00000500000000000000" pitchFamily="2" charset="0"/>
+                <a:ea typeface="open sans" panose="020B0606030504020204" pitchFamily="34" charset="0"/>
+                <a:cs typeface="open sans" panose="020B0606030504020204" pitchFamily="34" charset="0"/>
+              </a:rPr>
+              <a:t>is known as assignment in programming</a:t>
+            </a:r>
+            <a:endParaRPr lang="en-US" dirty="0">
+              <a:latin typeface="open sans" panose="020B0606030504020204" pitchFamily="34" charset="0"/>
+              <a:ea typeface="open sans" panose="020B0606030504020204" pitchFamily="34" charset="0"/>
+              <a:cs typeface="open sans" panose="020B0606030504020204" pitchFamily="34" charset="0"/>
+            </a:endParaRPr>
+          </a:p>
+        </p:txBody>
+      </p:sp>
+    </p:spTree>
+    <p:extLst>
+      <p:ext uri="{BB962C8B-B14F-4D97-AF65-F5344CB8AC3E}">
+        <p14:creationId xmlns:p14="http://schemas.microsoft.com/office/powerpoint/2010/main" val="3378874482"/>
+      </p:ext>
+    </p:extLst>
+  </p:cSld>
+  <p:clrMapOvr>
+    <a:masterClrMapping/>
+  </p:clrMapOvr>
+  <p:timing>
+    <p:tnLst>
+      <p:par>
+        <p:cTn id="1" dur="indefinite" restart="never" nodeType="tmRoot">
+          <p:childTnLst>
+            <p:seq concurrent="1" nextAc="seek">
+              <p:cTn id="2" dur="indefinite" nodeType="mainSeq">
+                <p:childTnLst>
+                  <p:par>
+                    <p:cTn id="3" fill="hold">
+                      <p:stCondLst>
+                        <p:cond delay="indefinite"/>
+                      </p:stCondLst>
+                      <p:childTnLst>
+                        <p:par>
+                          <p:cTn id="4" fill="hold">
+                            <p:stCondLst>
+                              <p:cond delay="0"/>
+                            </p:stCondLst>
+                            <p:childTnLst>
+                              <p:par>
+                                <p:cTn id="5" presetID="10" presetClass="entr" presetSubtype="0" fill="hold" grpId="0" nodeType="clickEffect">
+                                  <p:stCondLst>
+                                    <p:cond delay="0"/>
+                                  </p:stCondLst>
+                                  <p:childTnLst>
+                                    <p:set>
+                                      <p:cBhvr>
+                                        <p:cTn id="6" dur="1" fill="hold">
+                                          <p:stCondLst>
+                                            <p:cond delay="0"/>
+                                          </p:stCondLst>
+                                        </p:cTn>
+                                        <p:tgtEl>
+                                          <p:spTgt spid="3"/>
+                                        </p:tgtEl>
+                                        <p:attrNameLst>
+                                          <p:attrName>style.visibility</p:attrName>
+                                        </p:attrNameLst>
+                                      </p:cBhvr>
+                                      <p:to>
+                                        <p:strVal val="visible"/>
+                                      </p:to>
+                                    </p:set>
+                                    <p:animEffect transition="in" filter="fade">
+                                      <p:cBhvr>
+                                        <p:cTn id="7" dur="500"/>
+                                        <p:tgtEl>
+                                          <p:spTgt spid="3"/>
+                                        </p:tgtEl>
+                                      </p:cBhvr>
+                                    </p:animEffect>
+                                  </p:childTnLst>
+                                </p:cTn>
+                              </p:par>
+                            </p:childTnLst>
+                          </p:cTn>
+                        </p:par>
+                      </p:childTnLst>
+                    </p:cTn>
+                  </p:par>
+                </p:childTnLst>
+              </p:cTn>
+              <p:prevCondLst>
+                <p:cond evt="onPrev" delay="0">
+                  <p:tgtEl>
+                    <p:sldTgt/>
+                  </p:tgtEl>
+                </p:cond>
+              </p:prevCondLst>
+              <p:nextCondLst>
+                <p:cond evt="onNext" delay="0">
+                  <p:tgtEl>
+                    <p:sldTgt/>
+                  </p:tgtEl>
+                </p:cond>
+              </p:nextCondLst>
+            </p:seq>
+          </p:childTnLst>
+        </p:cTn>
+      </p:par>
+    </p:tnLst>
+    <p:bldLst>
+      <p:bldP spid="3" grpId="0"/>
+    </p:bldLst>
+  </p:timing>
+</p:sld>
+</file>
+
+<file path=ppt/slides/slide5.xml><?xml version="1.0" encoding="utf-8"?>
+<p:sld xmlns:a="http://schemas.openxmlformats.org/drawingml/2006/main" xmlns:r="http://schemas.openxmlformats.org/officeDocument/2006/relationships" xmlns:p="http://schemas.openxmlformats.org/presentationml/2006/main">
+  <p:cSld>
+    <p:spTree>
+      <p:nvGrpSpPr>
+        <p:cNvPr id="1" name=""/>
+        <p:cNvGrpSpPr/>
+        <p:nvPr/>
+      </p:nvGrpSpPr>
+      <p:grpSpPr>
+        <a:xfrm>
+          <a:off x="0" y="0"/>
+          <a:ext cx="0" cy="0"/>
+          <a:chOff x="0" y="0"/>
+          <a:chExt cx="0" cy="0"/>
+        </a:xfrm>
+      </p:grpSpPr>
+      <p:sp>
+        <p:nvSpPr>
+          <p:cNvPr id="2" name="TextBox 1">
+            <a:extLst>
+              <a:ext uri="{FF2B5EF4-FFF2-40B4-BE49-F238E27FC236}">
+                <a16:creationId xmlns:a16="http://schemas.microsoft.com/office/drawing/2014/main" id="{91606C7B-593F-4F0B-8BD6-E8FE7B037301}"/>
+              </a:ext>
+            </a:extLst>
+          </p:cNvPr>
+          <p:cNvSpPr txBox="1"/>
+          <p:nvPr/>
+        </p:nvSpPr>
+        <p:spPr>
+          <a:xfrm>
+            <a:off x="5210778" y="174279"/>
+            <a:ext cx="1970411" cy="430887"/>
+          </a:xfrm>
+          <a:prstGeom prst="rect">
+            <a:avLst/>
+          </a:prstGeom>
+          <a:noFill/>
+        </p:spPr>
+        <p:txBody>
+          <a:bodyPr wrap="none" rtlCol="0">
+            <a:spAutoFit/>
+          </a:bodyPr>
+          <a:lstStyle/>
+          <a:p>
+            <a:r>
+              <a:rPr lang="en-US" sz="2200" b="1" dirty="0">
+                <a:solidFill>
+                  <a:srgbClr val="FF9000"/>
+                </a:solidFill>
+                <a:latin typeface="Montserrat" panose="00000500000000000000" pitchFamily="2" charset="0"/>
+              </a:rPr>
+              <a:t>Assignment</a:t>
+            </a:r>
+          </a:p>
+        </p:txBody>
+      </p:sp>
+      <p:sp>
+        <p:nvSpPr>
+          <p:cNvPr id="3" name="TextBox 2">
+            <a:extLst>
+              <a:ext uri="{FF2B5EF4-FFF2-40B4-BE49-F238E27FC236}">
+                <a16:creationId xmlns:a16="http://schemas.microsoft.com/office/drawing/2014/main" id="{AC5F3582-984F-4897-87B2-AEED389973C0}"/>
+              </a:ext>
+            </a:extLst>
+          </p:cNvPr>
+          <p:cNvSpPr txBox="1"/>
+          <p:nvPr/>
+        </p:nvSpPr>
+        <p:spPr>
+          <a:xfrm>
+            <a:off x="707186" y="1566952"/>
+            <a:ext cx="10530349" cy="1862048"/>
+          </a:xfrm>
+          <a:prstGeom prst="rect">
+            <a:avLst/>
+          </a:prstGeom>
+          <a:noFill/>
+        </p:spPr>
+        <p:txBody>
+          <a:bodyPr wrap="square">
+            <a:spAutoFit/>
+          </a:bodyPr>
+          <a:lstStyle/>
+          <a:p>
+            <a:pPr algn="ctr"/>
+            <a:r>
+              <a:rPr lang="en-US" sz="11500" dirty="0">
+                <a:solidFill>
+                  <a:srgbClr val="FF9000"/>
+                </a:solidFill>
+                <a:latin typeface="Montserrat" panose="00000500000000000000" pitchFamily="2" charset="0"/>
+                <a:ea typeface="open sans" panose="020B0606030504020204" pitchFamily="34" charset="0"/>
+                <a:cs typeface="open sans" panose="020B0606030504020204" pitchFamily="34" charset="0"/>
+              </a:rPr>
+              <a:t>“</a:t>
+            </a:r>
+            <a:r>
+              <a:rPr lang="en-US" sz="2200" dirty="0">
+                <a:latin typeface="Montserrat" panose="00000500000000000000" pitchFamily="2" charset="0"/>
+                <a:ea typeface="open sans" panose="020B0606030504020204" pitchFamily="34" charset="0"/>
+                <a:cs typeface="open sans" panose="020B0606030504020204" pitchFamily="34" charset="0"/>
+              </a:rPr>
+              <a:t>The equal sign in </a:t>
+            </a:r>
+            <a:r>
+              <a:rPr lang="en-US" sz="2200" b="1" dirty="0">
+                <a:latin typeface="Montserrat" panose="00000500000000000000" pitchFamily="2" charset="0"/>
+                <a:ea typeface="open sans" panose="020B0606030504020204" pitchFamily="34" charset="0"/>
+                <a:cs typeface="open sans" panose="020B0606030504020204" pitchFamily="34" charset="0"/>
+              </a:rPr>
+              <a:t>Mathematics </a:t>
+            </a:r>
+            <a:r>
+              <a:rPr lang="en-US" sz="2200" dirty="0">
+                <a:latin typeface="Montserrat" panose="00000500000000000000" pitchFamily="2" charset="0"/>
+                <a:ea typeface="open sans" panose="020B0606030504020204" pitchFamily="34" charset="0"/>
+                <a:cs typeface="open sans" panose="020B0606030504020204" pitchFamily="34" charset="0"/>
+              </a:rPr>
+              <a:t>is known as the </a:t>
+            </a:r>
+            <a:r>
+              <a:rPr lang="en-US" sz="2200" b="1" dirty="0">
+                <a:latin typeface="Montserrat" panose="00000500000000000000" pitchFamily="2" charset="0"/>
+                <a:ea typeface="open sans" panose="020B0606030504020204" pitchFamily="34" charset="0"/>
+                <a:cs typeface="open sans" panose="020B0606030504020204" pitchFamily="34" charset="0"/>
+              </a:rPr>
+              <a:t>Assignment</a:t>
+            </a:r>
+            <a:r>
+              <a:rPr lang="en-US" sz="2200" dirty="0">
+                <a:latin typeface="Montserrat" panose="00000500000000000000" pitchFamily="2" charset="0"/>
+                <a:ea typeface="open sans" panose="020B0606030504020204" pitchFamily="34" charset="0"/>
+                <a:cs typeface="open sans" panose="020B0606030504020204" pitchFamily="34" charset="0"/>
+              </a:rPr>
+              <a:t> operator </a:t>
+            </a:r>
+            <a:endParaRPr lang="en-US" dirty="0">
+              <a:latin typeface="open sans" panose="020B0606030504020204" pitchFamily="34" charset="0"/>
+              <a:ea typeface="open sans" panose="020B0606030504020204" pitchFamily="34" charset="0"/>
+              <a:cs typeface="open sans" panose="020B0606030504020204" pitchFamily="34" charset="0"/>
+            </a:endParaRPr>
+          </a:p>
+        </p:txBody>
+      </p:sp>
+      <p:sp>
+        <p:nvSpPr>
+          <p:cNvPr id="4" name="TextBox 3">
+            <a:extLst>
+              <a:ext uri="{FF2B5EF4-FFF2-40B4-BE49-F238E27FC236}">
+                <a16:creationId xmlns:a16="http://schemas.microsoft.com/office/drawing/2014/main" id="{91EF4639-AB8B-46FA-B99B-9640AA65E056}"/>
+              </a:ext>
+            </a:extLst>
+          </p:cNvPr>
+          <p:cNvSpPr txBox="1"/>
+          <p:nvPr/>
+        </p:nvSpPr>
+        <p:spPr>
+          <a:xfrm>
+            <a:off x="5747988" y="3729066"/>
+            <a:ext cx="696024" cy="1323439"/>
+          </a:xfrm>
+          <a:prstGeom prst="rect">
+            <a:avLst/>
+          </a:prstGeom>
+          <a:noFill/>
+        </p:spPr>
+        <p:txBody>
+          <a:bodyPr wrap="none" rtlCol="0">
+            <a:spAutoFit/>
+          </a:bodyPr>
+          <a:lstStyle/>
+          <a:p>
+            <a:r>
+              <a:rPr lang="en-US" sz="8000" b="1" dirty="0"/>
+              <a:t>=</a:t>
+            </a:r>
+          </a:p>
+        </p:txBody>
+      </p:sp>
+    </p:spTree>
+    <p:extLst>
+      <p:ext uri="{BB962C8B-B14F-4D97-AF65-F5344CB8AC3E}">
+        <p14:creationId xmlns:p14="http://schemas.microsoft.com/office/powerpoint/2010/main" val="3047457754"/>
+      </p:ext>
+    </p:extLst>
+  </p:cSld>
+  <p:clrMapOvr>
+    <a:masterClrMapping/>
+  </p:clrMapOvr>
+  <p:timing>
+    <p:tnLst>
+      <p:par>
+        <p:cTn id="1" dur="indefinite" restart="never" nodeType="tmRoot">
+          <p:childTnLst>
+            <p:seq concurrent="1" nextAc="seek">
+              <p:cTn id="2" dur="indefinite" nodeType="mainSeq">
+                <p:childTnLst>
+                  <p:par>
+                    <p:cTn id="3" fill="hold">
+                      <p:stCondLst>
+                        <p:cond delay="indefinite"/>
+                      </p:stCondLst>
+                      <p:childTnLst>
+                        <p:par>
+                          <p:cTn id="4" fill="hold">
+                            <p:stCondLst>
+                              <p:cond delay="0"/>
+                            </p:stCondLst>
+                            <p:childTnLst>
+                              <p:par>
+                                <p:cTn id="5" presetID="10" presetClass="entr" presetSubtype="0" fill="hold" grpId="0" nodeType="clickEffect">
+                                  <p:stCondLst>
+                                    <p:cond delay="0"/>
+                                  </p:stCondLst>
+                                  <p:childTnLst>
+                                    <p:set>
+                                      <p:cBhvr>
+                                        <p:cTn id="6" dur="1" fill="hold">
+                                          <p:stCondLst>
+                                            <p:cond delay="0"/>
+                                          </p:stCondLst>
+                                        </p:cTn>
+                                        <p:tgtEl>
+                                          <p:spTgt spid="3"/>
+                                        </p:tgtEl>
+                                        <p:attrNameLst>
+                                          <p:attrName>style.visibility</p:attrName>
+                                        </p:attrNameLst>
+                                      </p:cBhvr>
+                                      <p:to>
+                                        <p:strVal val="visible"/>
+                                      </p:to>
+                                    </p:set>
+                                    <p:animEffect transition="in" filter="fade">
+                                      <p:cBhvr>
+                                        <p:cTn id="7" dur="500"/>
+                                        <p:tgtEl>
+                                          <p:spTgt spid="3"/>
+                                        </p:tgtEl>
+                                      </p:cBhvr>
+                                    </p:animEffect>
+                                  </p:childTnLst>
+                                </p:cTn>
+                              </p:par>
+                            </p:childTnLst>
+                          </p:cTn>
+                        </p:par>
+                      </p:childTnLst>
+                    </p:cTn>
+                  </p:par>
+                </p:childTnLst>
+              </p:cTn>
+              <p:prevCondLst>
+                <p:cond evt="onPrev" delay="0">
+                  <p:tgtEl>
+                    <p:sldTgt/>
+                  </p:tgtEl>
+                </p:cond>
+              </p:prevCondLst>
+              <p:nextCondLst>
+                <p:cond evt="onNext" delay="0">
+                  <p:tgtEl>
+                    <p:sldTgt/>
+                  </p:tgtEl>
+                </p:cond>
+              </p:nextCondLst>
+            </p:seq>
+          </p:childTnLst>
+        </p:cTn>
+      </p:par>
+    </p:tnLst>
+    <p:bldLst>
+      <p:bldP spid="3" grpId="0"/>
+    </p:bldLst>
+  </p:timing>
+</p:sld>
+</file>
+
+<file path=ppt/slides/slide6.xml><?xml version="1.0" encoding="utf-8"?>
+<p:sld xmlns:a="http://schemas.openxmlformats.org/drawingml/2006/main" xmlns:r="http://schemas.openxmlformats.org/officeDocument/2006/relationships" xmlns:p="http://schemas.openxmlformats.org/presentationml/2006/main">
+  <p:cSld>
+    <p:spTree>
+      <p:nvGrpSpPr>
+        <p:cNvPr id="1" name=""/>
+        <p:cNvGrpSpPr/>
+        <p:nvPr/>
+      </p:nvGrpSpPr>
+      <p:grpSpPr>
+        <a:xfrm>
+          <a:off x="0" y="0"/>
+          <a:ext cx="0" cy="0"/>
+          <a:chOff x="0" y="0"/>
+          <a:chExt cx="0" cy="0"/>
+        </a:xfrm>
+      </p:grpSpPr>
+      <p:sp>
+        <p:nvSpPr>
+          <p:cNvPr id="2" name="TextBox 1">
+            <a:extLst>
+              <a:ext uri="{FF2B5EF4-FFF2-40B4-BE49-F238E27FC236}">
+                <a16:creationId xmlns:a16="http://schemas.microsoft.com/office/drawing/2014/main" id="{8F794563-39CC-4E10-B41C-47DDD86A5C3D}"/>
+              </a:ext>
+            </a:extLst>
+          </p:cNvPr>
+          <p:cNvSpPr txBox="1"/>
+          <p:nvPr/>
+        </p:nvSpPr>
+        <p:spPr>
+          <a:xfrm>
+            <a:off x="5210778" y="174279"/>
+            <a:ext cx="1194558" cy="430887"/>
+          </a:xfrm>
+          <a:prstGeom prst="rect">
+            <a:avLst/>
+          </a:prstGeom>
+          <a:noFill/>
+        </p:spPr>
+        <p:txBody>
+          <a:bodyPr wrap="none" rtlCol="0">
+            <a:spAutoFit/>
+          </a:bodyPr>
+          <a:lstStyle/>
+          <a:p>
+            <a:r>
+              <a:rPr lang="en-US" sz="2200" b="1" dirty="0">
+                <a:solidFill>
+                  <a:srgbClr val="FF9000"/>
+                </a:solidFill>
+                <a:latin typeface="Montserrat" panose="00000500000000000000" pitchFamily="2" charset="0"/>
+              </a:rPr>
+              <a:t>Syntax</a:t>
+            </a:r>
+          </a:p>
+        </p:txBody>
+      </p:sp>
+      <p:sp>
+        <p:nvSpPr>
+          <p:cNvPr id="3" name="TextBox 2">
+            <a:extLst>
+              <a:ext uri="{FF2B5EF4-FFF2-40B4-BE49-F238E27FC236}">
+                <a16:creationId xmlns:a16="http://schemas.microsoft.com/office/drawing/2014/main" id="{1BE484BA-C25C-4ED9-80CF-1A1A1624CE61}"/>
+              </a:ext>
+            </a:extLst>
+          </p:cNvPr>
+          <p:cNvSpPr txBox="1"/>
+          <p:nvPr/>
+        </p:nvSpPr>
+        <p:spPr>
+          <a:xfrm>
+            <a:off x="285135" y="1316876"/>
+            <a:ext cx="7659329" cy="1862048"/>
+          </a:xfrm>
+          <a:prstGeom prst="rect">
+            <a:avLst/>
+          </a:prstGeom>
+          <a:noFill/>
+        </p:spPr>
+        <p:txBody>
+          <a:bodyPr wrap="square">
+            <a:spAutoFit/>
+          </a:bodyPr>
+          <a:lstStyle/>
+          <a:p>
+            <a:pPr algn="ctr"/>
+            <a:r>
+              <a:rPr lang="en-US" sz="11500" dirty="0">
+                <a:solidFill>
+                  <a:srgbClr val="FF9000"/>
+                </a:solidFill>
+                <a:latin typeface="Montserrat" panose="00000500000000000000" pitchFamily="2" charset="0"/>
+                <a:ea typeface="open sans" panose="020B0606030504020204" pitchFamily="34" charset="0"/>
+                <a:cs typeface="open sans" panose="020B0606030504020204" pitchFamily="34" charset="0"/>
+              </a:rPr>
+              <a:t>“</a:t>
+            </a:r>
+            <a:r>
+              <a:rPr lang="en-US" sz="2200" dirty="0">
+                <a:latin typeface="Montserrat" panose="00000500000000000000" pitchFamily="2" charset="0"/>
+                <a:ea typeface="open sans" panose="020B0606030504020204" pitchFamily="34" charset="0"/>
+                <a:cs typeface="open sans" panose="020B0606030504020204" pitchFamily="34" charset="0"/>
+              </a:rPr>
+              <a:t>An Assignment has two parts:</a:t>
+            </a:r>
+            <a:endParaRPr lang="en-US" dirty="0">
+              <a:latin typeface="open sans" panose="020B0606030504020204" pitchFamily="34" charset="0"/>
+              <a:ea typeface="open sans" panose="020B0606030504020204" pitchFamily="34" charset="0"/>
+              <a:cs typeface="open sans" panose="020B0606030504020204" pitchFamily="34" charset="0"/>
+            </a:endParaRPr>
+          </a:p>
+        </p:txBody>
+      </p:sp>
+      <p:sp>
+        <p:nvSpPr>
+          <p:cNvPr id="4" name="TextBox 3">
+            <a:extLst>
+              <a:ext uri="{FF2B5EF4-FFF2-40B4-BE49-F238E27FC236}">
+                <a16:creationId xmlns:a16="http://schemas.microsoft.com/office/drawing/2014/main" id="{B8F992A9-9F35-4C6B-A4AE-291FE0E32093}"/>
+              </a:ext>
+            </a:extLst>
+          </p:cNvPr>
+          <p:cNvSpPr txBox="1"/>
+          <p:nvPr/>
+        </p:nvSpPr>
+        <p:spPr>
+          <a:xfrm>
+            <a:off x="5088193" y="3671703"/>
+            <a:ext cx="3190188" cy="830997"/>
+          </a:xfrm>
+          <a:prstGeom prst="rect">
+            <a:avLst/>
+          </a:prstGeom>
+          <a:noFill/>
+        </p:spPr>
+        <p:txBody>
+          <a:bodyPr wrap="square" rtlCol="0">
+            <a:spAutoFit/>
+          </a:bodyPr>
+          <a:lstStyle/>
+          <a:p>
+            <a:r>
+              <a:rPr lang="en-US" sz="4800" b="1" dirty="0">
+                <a:solidFill>
+                  <a:srgbClr val="FFC000"/>
+                </a:solidFill>
+              </a:rPr>
+              <a:t>LHS =  RHS</a:t>
+            </a:r>
+          </a:p>
+        </p:txBody>
+      </p:sp>
+    </p:spTree>
+    <p:extLst>
+      <p:ext uri="{BB962C8B-B14F-4D97-AF65-F5344CB8AC3E}">
+        <p14:creationId xmlns:p14="http://schemas.microsoft.com/office/powerpoint/2010/main" val="3163994261"/>
+      </p:ext>
+    </p:extLst>
+  </p:cSld>
+  <p:clrMapOvr>
+    <a:masterClrMapping/>
+  </p:clrMapOvr>
+  <p:timing>
+    <p:tnLst>
+      <p:par>
+        <p:cTn id="1" dur="indefinite" restart="never" nodeType="tmRoot">
+          <p:childTnLst>
+            <p:seq concurrent="1" nextAc="seek">
+              <p:cTn id="2" dur="indefinite" nodeType="mainSeq">
+                <p:childTnLst>
+                  <p:par>
+                    <p:cTn id="3" fill="hold">
+                      <p:stCondLst>
+                        <p:cond delay="indefinite"/>
+                      </p:stCondLst>
+                      <p:childTnLst>
+                        <p:par>
+                          <p:cTn id="4" fill="hold">
+                            <p:stCondLst>
+                              <p:cond delay="0"/>
+                            </p:stCondLst>
+                            <p:childTnLst>
+                              <p:par>
+                                <p:cTn id="5" presetID="10" presetClass="entr" presetSubtype="0" fill="hold" grpId="0" nodeType="clickEffect">
+                                  <p:stCondLst>
+                                    <p:cond delay="0"/>
+                                  </p:stCondLst>
+                                  <p:childTnLst>
+                                    <p:set>
+                                      <p:cBhvr>
+                                        <p:cTn id="6" dur="1" fill="hold">
+                                          <p:stCondLst>
+                                            <p:cond delay="0"/>
+                                          </p:stCondLst>
+                                        </p:cTn>
+                                        <p:tgtEl>
+                                          <p:spTgt spid="3"/>
+                                        </p:tgtEl>
+                                        <p:attrNameLst>
+                                          <p:attrName>style.visibility</p:attrName>
+                                        </p:attrNameLst>
+                                      </p:cBhvr>
+                                      <p:to>
+                                        <p:strVal val="visible"/>
+                                      </p:to>
+                                    </p:set>
+                                    <p:animEffect transition="in" filter="fade">
+                                      <p:cBhvr>
+                                        <p:cTn id="7" dur="500"/>
+                                        <p:tgtEl>
+                                          <p:spTgt spid="3"/>
+                                        </p:tgtEl>
+                                      </p:cBhvr>
+                                    </p:animEffect>
+                                  </p:childTnLst>
+                                </p:cTn>
+                              </p:par>
+                            </p:childTnLst>
+                          </p:cTn>
+                        </p:par>
+                      </p:childTnLst>
+                    </p:cTn>
+                  </p:par>
+                </p:childTnLst>
+              </p:cTn>
+              <p:prevCondLst>
+                <p:cond evt="onPrev" delay="0">
+                  <p:tgtEl>
+                    <p:sldTgt/>
+                  </p:tgtEl>
+                </p:cond>
+              </p:prevCondLst>
+              <p:nextCondLst>
+                <p:cond evt="onNext" delay="0">
+                  <p:tgtEl>
+                    <p:sldTgt/>
+                  </p:tgtEl>
+                </p:cond>
+              </p:nextCondLst>
+            </p:seq>
+          </p:childTnLst>
+        </p:cTn>
+      </p:par>
+    </p:tnLst>
+    <p:bldLst>
+      <p:bldP spid="3" grpId="0"/>
+    </p:bldLst>
+  </p:timing>
+</p:sld>
+</file>
+
+<file path=ppt/slides/slide7.xml><?xml version="1.0" encoding="utf-8"?>
+<p:sld xmlns:a="http://schemas.openxmlformats.org/drawingml/2006/main" xmlns:r="http://schemas.openxmlformats.org/officeDocument/2006/relationships" xmlns:p="http://schemas.openxmlformats.org/presentationml/2006/main">
+  <p:cSld>
+    <p:spTree>
+      <p:nvGrpSpPr>
+        <p:cNvPr id="1" name=""/>
+        <p:cNvGrpSpPr/>
+        <p:nvPr/>
+      </p:nvGrpSpPr>
+      <p:grpSpPr>
+        <a:xfrm>
+          <a:off x="0" y="0"/>
+          <a:ext cx="0" cy="0"/>
+          <a:chOff x="0" y="0"/>
+          <a:chExt cx="0" cy="0"/>
+        </a:xfrm>
+      </p:grpSpPr>
+      <p:sp>
+        <p:nvSpPr>
+          <p:cNvPr id="2" name="TextBox 1">
+            <a:extLst>
+              <a:ext uri="{FF2B5EF4-FFF2-40B4-BE49-F238E27FC236}">
+                <a16:creationId xmlns:a16="http://schemas.microsoft.com/office/drawing/2014/main" id="{3401F7FB-7C5F-405C-954D-D65B67EB48C8}"/>
+              </a:ext>
+            </a:extLst>
+          </p:cNvPr>
+          <p:cNvSpPr txBox="1"/>
+          <p:nvPr/>
+        </p:nvSpPr>
+        <p:spPr>
+          <a:xfrm>
+            <a:off x="5210778" y="174279"/>
+            <a:ext cx="1106393" cy="430887"/>
+          </a:xfrm>
+          <a:prstGeom prst="rect">
+            <a:avLst/>
+          </a:prstGeom>
+          <a:noFill/>
+        </p:spPr>
+        <p:txBody>
+          <a:bodyPr wrap="none" rtlCol="0">
+            <a:spAutoFit/>
+          </a:bodyPr>
+          <a:lstStyle/>
+          <a:p>
+            <a:r>
+              <a:rPr lang="en-US" sz="2200" b="1" dirty="0">
+                <a:solidFill>
+                  <a:srgbClr val="FF9000"/>
+                </a:solidFill>
+                <a:latin typeface="Montserrat" panose="00000500000000000000" pitchFamily="2" charset="0"/>
+              </a:rPr>
+              <a:t>Usage</a:t>
+            </a:r>
+          </a:p>
+        </p:txBody>
+      </p:sp>
+      <p:sp>
+        <p:nvSpPr>
+          <p:cNvPr id="3" name="TextBox 2">
+            <a:extLst>
+              <a:ext uri="{FF2B5EF4-FFF2-40B4-BE49-F238E27FC236}">
+                <a16:creationId xmlns:a16="http://schemas.microsoft.com/office/drawing/2014/main" id="{272B77BF-3D6B-43D6-B9FC-1CC874D8F959}"/>
+              </a:ext>
+            </a:extLst>
+          </p:cNvPr>
+          <p:cNvSpPr txBox="1"/>
+          <p:nvPr/>
+        </p:nvSpPr>
+        <p:spPr>
+          <a:xfrm>
+            <a:off x="1374353" y="1548580"/>
+            <a:ext cx="2347246" cy="369332"/>
+          </a:xfrm>
+          <a:prstGeom prst="rect">
+            <a:avLst/>
+          </a:prstGeom>
+          <a:noFill/>
+        </p:spPr>
+        <p:txBody>
+          <a:bodyPr wrap="none" rtlCol="0">
+            <a:spAutoFit/>
+          </a:bodyPr>
+          <a:lstStyle/>
+          <a:p>
+            <a:r>
+              <a:rPr lang="en-US" b="1" dirty="0"/>
+              <a:t>Container</a:t>
+            </a:r>
+            <a:r>
+              <a:rPr lang="en-US" dirty="0"/>
+              <a:t> </a:t>
+            </a:r>
+            <a:r>
+              <a:rPr lang="en-US" b="1" dirty="0"/>
+              <a:t>= expression</a:t>
+            </a:r>
+          </a:p>
+        </p:txBody>
+      </p:sp>
+      <p:sp>
+        <p:nvSpPr>
+          <p:cNvPr id="4" name="TextBox 3">
+            <a:extLst>
+              <a:ext uri="{FF2B5EF4-FFF2-40B4-BE49-F238E27FC236}">
+                <a16:creationId xmlns:a16="http://schemas.microsoft.com/office/drawing/2014/main" id="{391851D3-0B34-42DD-A447-A0787442AB93}"/>
+              </a:ext>
+            </a:extLst>
+          </p:cNvPr>
+          <p:cNvSpPr txBox="1"/>
+          <p:nvPr/>
+        </p:nvSpPr>
+        <p:spPr>
+          <a:xfrm>
+            <a:off x="1374353" y="2304124"/>
+            <a:ext cx="2164760" cy="369332"/>
+          </a:xfrm>
+          <a:prstGeom prst="rect">
+            <a:avLst/>
+          </a:prstGeom>
+          <a:noFill/>
+        </p:spPr>
+        <p:txBody>
+          <a:bodyPr wrap="none" rtlCol="0">
+            <a:spAutoFit/>
+          </a:bodyPr>
+          <a:lstStyle/>
+          <a:p>
+            <a:r>
+              <a:rPr lang="en-US" b="1" dirty="0"/>
+              <a:t>Container</a:t>
+            </a:r>
+            <a:r>
+              <a:rPr lang="en-US" dirty="0"/>
+              <a:t> </a:t>
+            </a:r>
+            <a:r>
+              <a:rPr lang="en-US" b="1" dirty="0"/>
+              <a:t>= constant</a:t>
+            </a:r>
+          </a:p>
+        </p:txBody>
+      </p:sp>
+      <p:sp>
+        <p:nvSpPr>
+          <p:cNvPr id="5" name="TextBox 4">
+            <a:extLst>
+              <a:ext uri="{FF2B5EF4-FFF2-40B4-BE49-F238E27FC236}">
+                <a16:creationId xmlns:a16="http://schemas.microsoft.com/office/drawing/2014/main" id="{AE419B2A-D81C-4163-8CA5-43BFB5F2FCBA}"/>
+              </a:ext>
+            </a:extLst>
+          </p:cNvPr>
+          <p:cNvSpPr txBox="1"/>
+          <p:nvPr/>
+        </p:nvSpPr>
+        <p:spPr>
+          <a:xfrm>
+            <a:off x="1374353" y="3059668"/>
+            <a:ext cx="2196179" cy="369332"/>
+          </a:xfrm>
+          <a:prstGeom prst="rect">
+            <a:avLst/>
+          </a:prstGeom>
+          <a:noFill/>
+        </p:spPr>
+        <p:txBody>
+          <a:bodyPr wrap="none" rtlCol="0">
+            <a:spAutoFit/>
+          </a:bodyPr>
+          <a:lstStyle/>
+          <a:p>
+            <a:r>
+              <a:rPr lang="en-US" b="1" dirty="0"/>
+              <a:t>Container= container</a:t>
+            </a:r>
+          </a:p>
+        </p:txBody>
+      </p:sp>
+      <p:sp>
+        <p:nvSpPr>
+          <p:cNvPr id="6" name="TextBox 5">
+            <a:extLst>
+              <a:ext uri="{FF2B5EF4-FFF2-40B4-BE49-F238E27FC236}">
+                <a16:creationId xmlns:a16="http://schemas.microsoft.com/office/drawing/2014/main" id="{18D423C2-A90C-4E90-96E6-2013303AC1B6}"/>
+              </a:ext>
+            </a:extLst>
+          </p:cNvPr>
+          <p:cNvSpPr txBox="1"/>
+          <p:nvPr/>
+        </p:nvSpPr>
+        <p:spPr>
+          <a:xfrm>
+            <a:off x="1374353" y="3815211"/>
+            <a:ext cx="4014048" cy="369332"/>
+          </a:xfrm>
+          <a:prstGeom prst="rect">
+            <a:avLst/>
+          </a:prstGeom>
+          <a:noFill/>
+        </p:spPr>
+        <p:txBody>
+          <a:bodyPr wrap="none" rtlCol="0">
+            <a:spAutoFit/>
+          </a:bodyPr>
+          <a:lstStyle/>
+          <a:p>
+            <a:r>
+              <a:rPr lang="en-US" b="1" dirty="0"/>
+              <a:t>Container= container </a:t>
+            </a:r>
+            <a:r>
+              <a:rPr lang="en-US" dirty="0"/>
+              <a:t>operator </a:t>
+            </a:r>
+            <a:r>
+              <a:rPr lang="en-US" b="1" dirty="0"/>
+              <a:t>container</a:t>
+            </a:r>
+          </a:p>
+        </p:txBody>
+      </p:sp>
+    </p:spTree>
+    <p:extLst>
+      <p:ext uri="{BB962C8B-B14F-4D97-AF65-F5344CB8AC3E}">
+        <p14:creationId xmlns:p14="http://schemas.microsoft.com/office/powerpoint/2010/main" val="2911700166"/>
+      </p:ext>
+    </p:extLst>
+  </p:cSld>
+  <p:clrMapOvr>
+    <a:masterClrMapping/>
+  </p:clrMapOvr>
+</p:sld>
+</file>
+
+<file path=ppt/slides/slide8.xml><?xml version="1.0" encoding="utf-8"?>
+<p:sld xmlns:a="http://schemas.openxmlformats.org/drawingml/2006/main" xmlns:r="http://schemas.openxmlformats.org/officeDocument/2006/relationships" xmlns:p="http://schemas.openxmlformats.org/presentationml/2006/main">
+  <p:cSld>
+    <p:spTree>
+      <p:nvGrpSpPr>
+        <p:cNvPr id="1" name=""/>
+        <p:cNvGrpSpPr/>
+        <p:nvPr/>
+      </p:nvGrpSpPr>
+      <p:grpSpPr>
+        <a:xfrm>
+          <a:off x="0" y="0"/>
+          <a:ext cx="0" cy="0"/>
+          <a:chOff x="0" y="0"/>
+          <a:chExt cx="0" cy="0"/>
+        </a:xfrm>
+      </p:grpSpPr>
+      <p:sp>
+        <p:nvSpPr>
+          <p:cNvPr id="2" name="TextBox 1">
+            <a:extLst>
+              <a:ext uri="{FF2B5EF4-FFF2-40B4-BE49-F238E27FC236}">
+                <a16:creationId xmlns:a16="http://schemas.microsoft.com/office/drawing/2014/main" id="{C9E780C1-BB44-4F41-96F9-052CFB8F8A29}"/>
+              </a:ext>
+            </a:extLst>
+          </p:cNvPr>
+          <p:cNvSpPr txBox="1"/>
+          <p:nvPr/>
+        </p:nvSpPr>
+        <p:spPr>
+          <a:xfrm>
+            <a:off x="5210778" y="174279"/>
+            <a:ext cx="1798890" cy="430887"/>
+          </a:xfrm>
+          <a:prstGeom prst="rect">
+            <a:avLst/>
+          </a:prstGeom>
+          <a:noFill/>
+        </p:spPr>
+        <p:txBody>
+          <a:bodyPr wrap="none" rtlCol="0">
+            <a:spAutoFit/>
+          </a:bodyPr>
+          <a:lstStyle/>
+          <a:p>
+            <a:r>
+              <a:rPr lang="en-US" sz="2200" b="1" dirty="0">
+                <a:solidFill>
+                  <a:srgbClr val="FF9000"/>
+                </a:solidFill>
+                <a:latin typeface="Montserrat" panose="00000500000000000000" pitchFamily="2" charset="0"/>
+              </a:rPr>
+              <a:t>Illustration</a:t>
+            </a:r>
+          </a:p>
+        </p:txBody>
+      </p:sp>
+      <p:sp>
+        <p:nvSpPr>
+          <p:cNvPr id="3" name="TextBox 2">
+            <a:extLst>
+              <a:ext uri="{FF2B5EF4-FFF2-40B4-BE49-F238E27FC236}">
+                <a16:creationId xmlns:a16="http://schemas.microsoft.com/office/drawing/2014/main" id="{EA4DCC20-7290-4701-89AF-F6D376164BAF}"/>
+              </a:ext>
+            </a:extLst>
+          </p:cNvPr>
+          <p:cNvSpPr txBox="1"/>
+          <p:nvPr/>
+        </p:nvSpPr>
+        <p:spPr>
+          <a:xfrm>
+            <a:off x="1637071" y="1386348"/>
+            <a:ext cx="1436419" cy="369332"/>
+          </a:xfrm>
+          <a:prstGeom prst="rect">
+            <a:avLst/>
+          </a:prstGeom>
+          <a:noFill/>
+        </p:spPr>
+        <p:txBody>
+          <a:bodyPr wrap="none" rtlCol="0">
+            <a:spAutoFit/>
+          </a:bodyPr>
+          <a:lstStyle/>
+          <a:p>
+            <a:r>
+              <a:rPr lang="en-US" b="1" dirty="0"/>
+              <a:t>yourAge </a:t>
+            </a:r>
+            <a:r>
+              <a:rPr lang="en-US" dirty="0"/>
+              <a:t>= 17</a:t>
+            </a:r>
+          </a:p>
+        </p:txBody>
+      </p:sp>
+      <p:sp>
+        <p:nvSpPr>
+          <p:cNvPr id="4" name="TextBox 3">
+            <a:extLst>
+              <a:ext uri="{FF2B5EF4-FFF2-40B4-BE49-F238E27FC236}">
+                <a16:creationId xmlns:a16="http://schemas.microsoft.com/office/drawing/2014/main" id="{A26F2E25-559C-4559-AECF-5768A226290C}"/>
+              </a:ext>
+            </a:extLst>
+          </p:cNvPr>
+          <p:cNvSpPr txBox="1"/>
+          <p:nvPr/>
+        </p:nvSpPr>
+        <p:spPr>
+          <a:xfrm>
+            <a:off x="1637071" y="2247900"/>
+            <a:ext cx="2822889" cy="369332"/>
+          </a:xfrm>
+          <a:prstGeom prst="rect">
+            <a:avLst/>
+          </a:prstGeom>
+          <a:noFill/>
+        </p:spPr>
+        <p:txBody>
+          <a:bodyPr wrap="none" rtlCol="0">
+            <a:spAutoFit/>
+          </a:bodyPr>
+          <a:lstStyle/>
+          <a:p>
+            <a:r>
+              <a:rPr lang="en-US" b="1" dirty="0"/>
+              <a:t>ageOfBrother </a:t>
+            </a:r>
+            <a:r>
+              <a:rPr lang="en-US" dirty="0"/>
+              <a:t>= yourAge + 4</a:t>
+            </a:r>
+          </a:p>
+        </p:txBody>
+      </p:sp>
+      <p:sp>
+        <p:nvSpPr>
+          <p:cNvPr id="5" name="TextBox 4">
+            <a:extLst>
+              <a:ext uri="{FF2B5EF4-FFF2-40B4-BE49-F238E27FC236}">
+                <a16:creationId xmlns:a16="http://schemas.microsoft.com/office/drawing/2014/main" id="{2ECA7AF2-8B8F-439E-991D-2C6256F63E5F}"/>
+              </a:ext>
+            </a:extLst>
+          </p:cNvPr>
+          <p:cNvSpPr txBox="1"/>
+          <p:nvPr/>
+        </p:nvSpPr>
+        <p:spPr>
+          <a:xfrm>
+            <a:off x="1637071" y="3116219"/>
+            <a:ext cx="3066160" cy="369332"/>
+          </a:xfrm>
+          <a:prstGeom prst="rect">
+            <a:avLst/>
+          </a:prstGeom>
+          <a:noFill/>
+        </p:spPr>
+        <p:txBody>
+          <a:bodyPr wrap="none" rtlCol="0">
+            <a:spAutoFit/>
+          </a:bodyPr>
+          <a:lstStyle/>
+          <a:p>
+            <a:r>
+              <a:rPr lang="en-US" b="1" dirty="0"/>
+              <a:t>ageOfSister </a:t>
+            </a:r>
+            <a:r>
+              <a:rPr lang="en-US" dirty="0"/>
+              <a:t>= ageOfBrother - 2</a:t>
+            </a:r>
+          </a:p>
+        </p:txBody>
+      </p:sp>
+    </p:spTree>
+    <p:extLst>
+      <p:ext uri="{BB962C8B-B14F-4D97-AF65-F5344CB8AC3E}">
+        <p14:creationId xmlns:p14="http://schemas.microsoft.com/office/powerpoint/2010/main" val="872477362"/>
+      </p:ext>
+    </p:extLst>
+  </p:cSld>
+  <p:clrMapOvr>
+    <a:masterClrMapping/>
+  </p:clrMapOvr>
+</p:sld>
+</file>
+
+<file path=ppt/slides/slide9.xml><?xml version="1.0" encoding="utf-8"?>
 <p:sld xmlns:a="http://schemas.openxmlformats.org/drawingml/2006/main" xmlns:r="http://schemas.openxmlformats.org/officeDocument/2006/relationships" xmlns:p="http://schemas.openxmlformats.org/presentationml/2006/main">
   <p:cSld>
     <p:spTree>
@@ -5024,890 +7088,6 @@
       <p:bldP spid="5" grpId="0" animBg="1"/>
       <p:bldP spid="6" grpId="0" animBg="1"/>
       <p:bldP spid="7" grpId="0" animBg="1"/>
-    </p:bldLst>
-  </p:timing>
-</p:sld>
-</file>
-
-<file path=ppt/slides/slide5.xml><?xml version="1.0" encoding="utf-8"?>
-<p:sld xmlns:a="http://schemas.openxmlformats.org/drawingml/2006/main" xmlns:r="http://schemas.openxmlformats.org/officeDocument/2006/relationships" xmlns:p="http://schemas.openxmlformats.org/presentationml/2006/main">
-  <p:cSld>
-    <p:spTree>
-      <p:nvGrpSpPr>
-        <p:cNvPr id="1" name=""/>
-        <p:cNvGrpSpPr/>
-        <p:nvPr/>
-      </p:nvGrpSpPr>
-      <p:grpSpPr>
-        <a:xfrm>
-          <a:off x="0" y="0"/>
-          <a:ext cx="0" cy="0"/>
-          <a:chOff x="0" y="0"/>
-          <a:chExt cx="0" cy="0"/>
-        </a:xfrm>
-      </p:grpSpPr>
-      <p:sp>
-        <p:nvSpPr>
-          <p:cNvPr id="2" name="TextBox 1">
-            <a:extLst>
-              <a:ext uri="{FF2B5EF4-FFF2-40B4-BE49-F238E27FC236}">
-                <a16:creationId xmlns:a16="http://schemas.microsoft.com/office/drawing/2014/main" id="{D26FA23B-AFED-46E8-91EB-F49D46080A1B}"/>
-              </a:ext>
-            </a:extLst>
-          </p:cNvPr>
-          <p:cNvSpPr txBox="1"/>
-          <p:nvPr/>
-        </p:nvSpPr>
-        <p:spPr>
-          <a:xfrm>
-            <a:off x="4424709" y="203776"/>
-            <a:ext cx="3342582" cy="430887"/>
-          </a:xfrm>
-          <a:prstGeom prst="rect">
-            <a:avLst/>
-          </a:prstGeom>
-          <a:noFill/>
-        </p:spPr>
-        <p:txBody>
-          <a:bodyPr wrap="none" rtlCol="0">
-            <a:spAutoFit/>
-          </a:bodyPr>
-          <a:lstStyle/>
-          <a:p>
-            <a:r>
-              <a:rPr lang="en-US" sz="2200" b="1" dirty="0">
-                <a:solidFill>
-                  <a:srgbClr val="FF9000"/>
-                </a:solidFill>
-                <a:latin typeface="Montserrat" panose="00000500000000000000" pitchFamily="2" charset="0"/>
-              </a:rPr>
-              <a:t>Arithmetic Operators</a:t>
-            </a:r>
-          </a:p>
-        </p:txBody>
-      </p:sp>
-      <p:sp>
-        <p:nvSpPr>
-          <p:cNvPr id="3" name="TextBox 2">
-            <a:extLst>
-              <a:ext uri="{FF2B5EF4-FFF2-40B4-BE49-F238E27FC236}">
-                <a16:creationId xmlns:a16="http://schemas.microsoft.com/office/drawing/2014/main" id="{CAE67547-E8A3-4B98-A961-95DBEAC696C0}"/>
-              </a:ext>
-            </a:extLst>
-          </p:cNvPr>
-          <p:cNvSpPr txBox="1"/>
-          <p:nvPr/>
-        </p:nvSpPr>
-        <p:spPr>
-          <a:xfrm>
-            <a:off x="780928" y="1861218"/>
-            <a:ext cx="10530349" cy="2139047"/>
-          </a:xfrm>
-          <a:prstGeom prst="rect">
-            <a:avLst/>
-          </a:prstGeom>
-          <a:noFill/>
-        </p:spPr>
-        <p:txBody>
-          <a:bodyPr wrap="square">
-            <a:spAutoFit/>
-          </a:bodyPr>
-          <a:lstStyle/>
-          <a:p>
-            <a:pPr algn="ctr"/>
-            <a:r>
-              <a:rPr lang="en-US" sz="11500" dirty="0">
-                <a:solidFill>
-                  <a:srgbClr val="FF9000"/>
-                </a:solidFill>
-                <a:latin typeface="Montserrat" panose="00000500000000000000" pitchFamily="2" charset="0"/>
-                <a:ea typeface="open sans" panose="020B0606030504020204" pitchFamily="34" charset="0"/>
-                <a:cs typeface="open sans" panose="020B0606030504020204" pitchFamily="34" charset="0"/>
-              </a:rPr>
-              <a:t>“</a:t>
-            </a:r>
-            <a:r>
-              <a:rPr lang="en-US" dirty="0"/>
-              <a:t> </a:t>
-            </a:r>
-            <a:r>
-              <a:rPr lang="en-US" dirty="0">
-                <a:latin typeface="open sans" panose="020B0606030504020204" pitchFamily="34" charset="0"/>
-                <a:ea typeface="open sans" panose="020B0606030504020204" pitchFamily="34" charset="0"/>
-                <a:cs typeface="open sans" panose="020B0606030504020204" pitchFamily="34" charset="0"/>
-              </a:rPr>
-              <a:t>An arithmetic operator is a mathematical function that takes two operands and performs a calculation on them</a:t>
-            </a:r>
-          </a:p>
-        </p:txBody>
-      </p:sp>
-    </p:spTree>
-    <p:extLst>
-      <p:ext uri="{BB962C8B-B14F-4D97-AF65-F5344CB8AC3E}">
-        <p14:creationId xmlns:p14="http://schemas.microsoft.com/office/powerpoint/2010/main" val="4033014064"/>
-      </p:ext>
-    </p:extLst>
-  </p:cSld>
-  <p:clrMapOvr>
-    <a:masterClrMapping/>
-  </p:clrMapOvr>
-  <p:timing>
-    <p:tnLst>
-      <p:par>
-        <p:cTn id="1" dur="indefinite" restart="never" nodeType="tmRoot">
-          <p:childTnLst>
-            <p:seq concurrent="1" nextAc="seek">
-              <p:cTn id="2" dur="indefinite" nodeType="mainSeq">
-                <p:childTnLst>
-                  <p:par>
-                    <p:cTn id="3" fill="hold">
-                      <p:stCondLst>
-                        <p:cond delay="indefinite"/>
-                      </p:stCondLst>
-                      <p:childTnLst>
-                        <p:par>
-                          <p:cTn id="4" fill="hold">
-                            <p:stCondLst>
-                              <p:cond delay="0"/>
-                            </p:stCondLst>
-                            <p:childTnLst>
-                              <p:par>
-                                <p:cTn id="5" presetID="10" presetClass="entr" presetSubtype="0" fill="hold" grpId="0" nodeType="clickEffect">
-                                  <p:stCondLst>
-                                    <p:cond delay="0"/>
-                                  </p:stCondLst>
-                                  <p:childTnLst>
-                                    <p:set>
-                                      <p:cBhvr>
-                                        <p:cTn id="6" dur="1" fill="hold">
-                                          <p:stCondLst>
-                                            <p:cond delay="0"/>
-                                          </p:stCondLst>
-                                        </p:cTn>
-                                        <p:tgtEl>
-                                          <p:spTgt spid="3"/>
-                                        </p:tgtEl>
-                                        <p:attrNameLst>
-                                          <p:attrName>style.visibility</p:attrName>
-                                        </p:attrNameLst>
-                                      </p:cBhvr>
-                                      <p:to>
-                                        <p:strVal val="visible"/>
-                                      </p:to>
-                                    </p:set>
-                                    <p:animEffect transition="in" filter="fade">
-                                      <p:cBhvr>
-                                        <p:cTn id="7" dur="500"/>
-                                        <p:tgtEl>
-                                          <p:spTgt spid="3"/>
-                                        </p:tgtEl>
-                                      </p:cBhvr>
-                                    </p:animEffect>
-                                  </p:childTnLst>
-                                </p:cTn>
-                              </p:par>
-                            </p:childTnLst>
-                          </p:cTn>
-                        </p:par>
-                      </p:childTnLst>
-                    </p:cTn>
-                  </p:par>
-                </p:childTnLst>
-              </p:cTn>
-              <p:prevCondLst>
-                <p:cond evt="onPrev" delay="0">
-                  <p:tgtEl>
-                    <p:sldTgt/>
-                  </p:tgtEl>
-                </p:cond>
-              </p:prevCondLst>
-              <p:nextCondLst>
-                <p:cond evt="onNext" delay="0">
-                  <p:tgtEl>
-                    <p:sldTgt/>
-                  </p:tgtEl>
-                </p:cond>
-              </p:nextCondLst>
-            </p:seq>
-          </p:childTnLst>
-        </p:cTn>
-      </p:par>
-    </p:tnLst>
-    <p:bldLst>
-      <p:bldP spid="3" grpId="0"/>
-    </p:bldLst>
-  </p:timing>
-</p:sld>
-</file>
-
-<file path=ppt/slides/slide6.xml><?xml version="1.0" encoding="utf-8"?>
-<p:sld xmlns:a="http://schemas.openxmlformats.org/drawingml/2006/main" xmlns:r="http://schemas.openxmlformats.org/officeDocument/2006/relationships" xmlns:p="http://schemas.openxmlformats.org/presentationml/2006/main">
-  <p:cSld>
-    <p:spTree>
-      <p:nvGrpSpPr>
-        <p:cNvPr id="1" name=""/>
-        <p:cNvGrpSpPr/>
-        <p:nvPr/>
-      </p:nvGrpSpPr>
-      <p:grpSpPr>
-        <a:xfrm>
-          <a:off x="0" y="0"/>
-          <a:ext cx="0" cy="0"/>
-          <a:chOff x="0" y="0"/>
-          <a:chExt cx="0" cy="0"/>
-        </a:xfrm>
-      </p:grpSpPr>
-      <p:sp>
-        <p:nvSpPr>
-          <p:cNvPr id="2" name="TextBox 1">
-            <a:extLst>
-              <a:ext uri="{FF2B5EF4-FFF2-40B4-BE49-F238E27FC236}">
-                <a16:creationId xmlns:a16="http://schemas.microsoft.com/office/drawing/2014/main" id="{92238AEF-3B1F-4B32-9EC7-92AEA2A5CCB8}"/>
-              </a:ext>
-            </a:extLst>
-          </p:cNvPr>
-          <p:cNvSpPr txBox="1"/>
-          <p:nvPr/>
-        </p:nvSpPr>
-        <p:spPr>
-          <a:xfrm>
-            <a:off x="1180011" y="1740068"/>
-            <a:ext cx="10544874" cy="1015663"/>
-          </a:xfrm>
-          <a:prstGeom prst="rect">
-            <a:avLst/>
-          </a:prstGeom>
-          <a:noFill/>
-        </p:spPr>
-        <p:txBody>
-          <a:bodyPr wrap="none" rtlCol="0">
-            <a:spAutoFit/>
-          </a:bodyPr>
-          <a:lstStyle/>
-          <a:p>
-            <a:r>
-              <a:rPr lang="en-US" sz="6000" b="1" dirty="0">
-                <a:solidFill>
-                  <a:srgbClr val="FFC000"/>
-                </a:solidFill>
-              </a:rPr>
-              <a:t>*                     /                             %</a:t>
-            </a:r>
-            <a:endParaRPr lang="en-US" sz="2800" b="1" dirty="0">
-              <a:solidFill>
-                <a:srgbClr val="FFC000"/>
-              </a:solidFill>
-            </a:endParaRPr>
-          </a:p>
-        </p:txBody>
-      </p:sp>
-      <p:sp>
-        <p:nvSpPr>
-          <p:cNvPr id="3" name="TextBox 2">
-            <a:extLst>
-              <a:ext uri="{FF2B5EF4-FFF2-40B4-BE49-F238E27FC236}">
-                <a16:creationId xmlns:a16="http://schemas.microsoft.com/office/drawing/2014/main" id="{0E2A5E58-E042-4115-9942-DBA9648BC7FE}"/>
-              </a:ext>
-            </a:extLst>
-          </p:cNvPr>
-          <p:cNvSpPr txBox="1"/>
-          <p:nvPr/>
-        </p:nvSpPr>
-        <p:spPr>
-          <a:xfrm>
-            <a:off x="4247675" y="3712426"/>
-            <a:ext cx="2725426" cy="1015663"/>
-          </a:xfrm>
-          <a:prstGeom prst="rect">
-            <a:avLst/>
-          </a:prstGeom>
-          <a:noFill/>
-        </p:spPr>
-        <p:txBody>
-          <a:bodyPr wrap="none" rtlCol="0">
-            <a:spAutoFit/>
-          </a:bodyPr>
-          <a:lstStyle/>
-          <a:p>
-            <a:r>
-              <a:rPr lang="en-US" sz="6000" b="1" dirty="0">
-                <a:solidFill>
-                  <a:srgbClr val="FFC000"/>
-                </a:solidFill>
-              </a:rPr>
-              <a:t>+           -</a:t>
-            </a:r>
-            <a:endParaRPr lang="en-US" sz="2800" b="1" dirty="0">
-              <a:solidFill>
-                <a:srgbClr val="FFC000"/>
-              </a:solidFill>
-            </a:endParaRPr>
-          </a:p>
-        </p:txBody>
-      </p:sp>
-    </p:spTree>
-    <p:extLst>
-      <p:ext uri="{BB962C8B-B14F-4D97-AF65-F5344CB8AC3E}">
-        <p14:creationId xmlns:p14="http://schemas.microsoft.com/office/powerpoint/2010/main" val="1875640526"/>
-      </p:ext>
-    </p:extLst>
-  </p:cSld>
-  <p:clrMapOvr>
-    <a:masterClrMapping/>
-  </p:clrMapOvr>
-</p:sld>
-</file>
-
-<file path=ppt/slides/slide7.xml><?xml version="1.0" encoding="utf-8"?>
-<p:sld xmlns:a="http://schemas.openxmlformats.org/drawingml/2006/main" xmlns:r="http://schemas.openxmlformats.org/officeDocument/2006/relationships" xmlns:p="http://schemas.openxmlformats.org/presentationml/2006/main">
-  <p:cSld>
-    <p:spTree>
-      <p:nvGrpSpPr>
-        <p:cNvPr id="1" name=""/>
-        <p:cNvGrpSpPr/>
-        <p:nvPr/>
-      </p:nvGrpSpPr>
-      <p:grpSpPr>
-        <a:xfrm>
-          <a:off x="0" y="0"/>
-          <a:ext cx="0" cy="0"/>
-          <a:chOff x="0" y="0"/>
-          <a:chExt cx="0" cy="0"/>
-        </a:xfrm>
-      </p:grpSpPr>
-      <p:sp>
-        <p:nvSpPr>
-          <p:cNvPr id="2" name="TextBox 1">
-            <a:extLst>
-              <a:ext uri="{FF2B5EF4-FFF2-40B4-BE49-F238E27FC236}">
-                <a16:creationId xmlns:a16="http://schemas.microsoft.com/office/drawing/2014/main" id="{D26FA23B-AFED-46E8-91EB-F49D46080A1B}"/>
-              </a:ext>
-            </a:extLst>
-          </p:cNvPr>
-          <p:cNvSpPr txBox="1"/>
-          <p:nvPr/>
-        </p:nvSpPr>
-        <p:spPr>
-          <a:xfrm>
-            <a:off x="4424709" y="203776"/>
-            <a:ext cx="3243196" cy="430887"/>
-          </a:xfrm>
-          <a:prstGeom prst="rect">
-            <a:avLst/>
-          </a:prstGeom>
-          <a:noFill/>
-        </p:spPr>
-        <p:txBody>
-          <a:bodyPr wrap="none" rtlCol="0">
-            <a:spAutoFit/>
-          </a:bodyPr>
-          <a:lstStyle/>
-          <a:p>
-            <a:r>
-              <a:rPr lang="en-US" sz="2200" b="1" dirty="0">
-                <a:solidFill>
-                  <a:srgbClr val="FF9000"/>
-                </a:solidFill>
-                <a:latin typeface="Montserrat" panose="00000500000000000000" pitchFamily="2" charset="0"/>
-              </a:rPr>
-              <a:t>Relational Operators</a:t>
-            </a:r>
-          </a:p>
-        </p:txBody>
-      </p:sp>
-      <p:sp>
-        <p:nvSpPr>
-          <p:cNvPr id="3" name="TextBox 2">
-            <a:extLst>
-              <a:ext uri="{FF2B5EF4-FFF2-40B4-BE49-F238E27FC236}">
-                <a16:creationId xmlns:a16="http://schemas.microsoft.com/office/drawing/2014/main" id="{CAE67547-E8A3-4B98-A961-95DBEAC696C0}"/>
-              </a:ext>
-            </a:extLst>
-          </p:cNvPr>
-          <p:cNvSpPr txBox="1"/>
-          <p:nvPr/>
-        </p:nvSpPr>
-        <p:spPr>
-          <a:xfrm>
-            <a:off x="780928" y="1861218"/>
-            <a:ext cx="10530349" cy="2139047"/>
-          </a:xfrm>
-          <a:prstGeom prst="rect">
-            <a:avLst/>
-          </a:prstGeom>
-          <a:noFill/>
-        </p:spPr>
-        <p:txBody>
-          <a:bodyPr wrap="square">
-            <a:spAutoFit/>
-          </a:bodyPr>
-          <a:lstStyle/>
-          <a:p>
-            <a:pPr algn="ctr"/>
-            <a:r>
-              <a:rPr lang="en-US" sz="11500" dirty="0">
-                <a:solidFill>
-                  <a:srgbClr val="FF9000"/>
-                </a:solidFill>
-                <a:latin typeface="Montserrat" panose="00000500000000000000" pitchFamily="2" charset="0"/>
-                <a:ea typeface="open sans" panose="020B0606030504020204" pitchFamily="34" charset="0"/>
-                <a:cs typeface="open sans" panose="020B0606030504020204" pitchFamily="34" charset="0"/>
-              </a:rPr>
-              <a:t>“</a:t>
-            </a:r>
-            <a:r>
-              <a:rPr lang="en-US" dirty="0">
-                <a:latin typeface="open sans" panose="020B0606030504020204" pitchFamily="34" charset="0"/>
-                <a:ea typeface="open sans" panose="020B0606030504020204" pitchFamily="34" charset="0"/>
-                <a:cs typeface="open sans" panose="020B0606030504020204" pitchFamily="34" charset="0"/>
-              </a:rPr>
-              <a:t>Relational operators allow us compare values to determine if one is greater than, less than, equal to, or not equal to another.</a:t>
-            </a:r>
-          </a:p>
-        </p:txBody>
-      </p:sp>
-    </p:spTree>
-    <p:extLst>
-      <p:ext uri="{BB962C8B-B14F-4D97-AF65-F5344CB8AC3E}">
-        <p14:creationId xmlns:p14="http://schemas.microsoft.com/office/powerpoint/2010/main" val="620331381"/>
-      </p:ext>
-    </p:extLst>
-  </p:cSld>
-  <p:clrMapOvr>
-    <a:masterClrMapping/>
-  </p:clrMapOvr>
-  <p:timing>
-    <p:tnLst>
-      <p:par>
-        <p:cTn id="1" dur="indefinite" restart="never" nodeType="tmRoot">
-          <p:childTnLst>
-            <p:seq concurrent="1" nextAc="seek">
-              <p:cTn id="2" dur="indefinite" nodeType="mainSeq">
-                <p:childTnLst>
-                  <p:par>
-                    <p:cTn id="3" fill="hold">
-                      <p:stCondLst>
-                        <p:cond delay="indefinite"/>
-                      </p:stCondLst>
-                      <p:childTnLst>
-                        <p:par>
-                          <p:cTn id="4" fill="hold">
-                            <p:stCondLst>
-                              <p:cond delay="0"/>
-                            </p:stCondLst>
-                            <p:childTnLst>
-                              <p:par>
-                                <p:cTn id="5" presetID="10" presetClass="entr" presetSubtype="0" fill="hold" grpId="0" nodeType="clickEffect">
-                                  <p:stCondLst>
-                                    <p:cond delay="0"/>
-                                  </p:stCondLst>
-                                  <p:childTnLst>
-                                    <p:set>
-                                      <p:cBhvr>
-                                        <p:cTn id="6" dur="1" fill="hold">
-                                          <p:stCondLst>
-                                            <p:cond delay="0"/>
-                                          </p:stCondLst>
-                                        </p:cTn>
-                                        <p:tgtEl>
-                                          <p:spTgt spid="3"/>
-                                        </p:tgtEl>
-                                        <p:attrNameLst>
-                                          <p:attrName>style.visibility</p:attrName>
-                                        </p:attrNameLst>
-                                      </p:cBhvr>
-                                      <p:to>
-                                        <p:strVal val="visible"/>
-                                      </p:to>
-                                    </p:set>
-                                    <p:animEffect transition="in" filter="fade">
-                                      <p:cBhvr>
-                                        <p:cTn id="7" dur="500"/>
-                                        <p:tgtEl>
-                                          <p:spTgt spid="3"/>
-                                        </p:tgtEl>
-                                      </p:cBhvr>
-                                    </p:animEffect>
-                                  </p:childTnLst>
-                                </p:cTn>
-                              </p:par>
-                            </p:childTnLst>
-                          </p:cTn>
-                        </p:par>
-                      </p:childTnLst>
-                    </p:cTn>
-                  </p:par>
-                </p:childTnLst>
-              </p:cTn>
-              <p:prevCondLst>
-                <p:cond evt="onPrev" delay="0">
-                  <p:tgtEl>
-                    <p:sldTgt/>
-                  </p:tgtEl>
-                </p:cond>
-              </p:prevCondLst>
-              <p:nextCondLst>
-                <p:cond evt="onNext" delay="0">
-                  <p:tgtEl>
-                    <p:sldTgt/>
-                  </p:tgtEl>
-                </p:cond>
-              </p:nextCondLst>
-            </p:seq>
-          </p:childTnLst>
-        </p:cTn>
-      </p:par>
-    </p:tnLst>
-    <p:bldLst>
-      <p:bldP spid="3" grpId="0"/>
-    </p:bldLst>
-  </p:timing>
-</p:sld>
-</file>
-
-<file path=ppt/slides/slide8.xml><?xml version="1.0" encoding="utf-8"?>
-<p:sld xmlns:a="http://schemas.openxmlformats.org/drawingml/2006/main" xmlns:r="http://schemas.openxmlformats.org/officeDocument/2006/relationships" xmlns:p="http://schemas.openxmlformats.org/presentationml/2006/main">
-  <p:cSld>
-    <p:spTree>
-      <p:nvGrpSpPr>
-        <p:cNvPr id="1" name=""/>
-        <p:cNvGrpSpPr/>
-        <p:nvPr/>
-      </p:nvGrpSpPr>
-      <p:grpSpPr>
-        <a:xfrm>
-          <a:off x="0" y="0"/>
-          <a:ext cx="0" cy="0"/>
-          <a:chOff x="0" y="0"/>
-          <a:chExt cx="0" cy="0"/>
-        </a:xfrm>
-      </p:grpSpPr>
-      <p:sp>
-        <p:nvSpPr>
-          <p:cNvPr id="2" name="TextBox 1">
-            <a:extLst>
-              <a:ext uri="{FF2B5EF4-FFF2-40B4-BE49-F238E27FC236}">
-                <a16:creationId xmlns:a16="http://schemas.microsoft.com/office/drawing/2014/main" id="{92238AEF-3B1F-4B32-9EC7-92AEA2A5CCB8}"/>
-              </a:ext>
-            </a:extLst>
-          </p:cNvPr>
-          <p:cNvSpPr txBox="1"/>
-          <p:nvPr/>
-        </p:nvSpPr>
-        <p:spPr>
-          <a:xfrm>
-            <a:off x="1180011" y="1740068"/>
-            <a:ext cx="10104048" cy="1015663"/>
-          </a:xfrm>
-          <a:prstGeom prst="rect">
-            <a:avLst/>
-          </a:prstGeom>
-          <a:noFill/>
-        </p:spPr>
-        <p:txBody>
-          <a:bodyPr wrap="none" rtlCol="0">
-            <a:spAutoFit/>
-          </a:bodyPr>
-          <a:lstStyle/>
-          <a:p>
-            <a:r>
-              <a:rPr lang="en-US" sz="6000" b="1" dirty="0">
-                <a:solidFill>
-                  <a:srgbClr val="FFC000"/>
-                </a:solidFill>
-              </a:rPr>
-              <a:t>==                     &lt;                           &gt;</a:t>
-            </a:r>
-            <a:endParaRPr lang="en-US" sz="2800" b="1" dirty="0">
-              <a:solidFill>
-                <a:srgbClr val="FFC000"/>
-              </a:solidFill>
-            </a:endParaRPr>
-          </a:p>
-        </p:txBody>
-      </p:sp>
-      <p:sp>
-        <p:nvSpPr>
-          <p:cNvPr id="3" name="TextBox 2">
-            <a:extLst>
-              <a:ext uri="{FF2B5EF4-FFF2-40B4-BE49-F238E27FC236}">
-                <a16:creationId xmlns:a16="http://schemas.microsoft.com/office/drawing/2014/main" id="{0E2A5E58-E042-4115-9942-DBA9648BC7FE}"/>
-              </a:ext>
-            </a:extLst>
-          </p:cNvPr>
-          <p:cNvSpPr txBox="1"/>
-          <p:nvPr/>
-        </p:nvSpPr>
-        <p:spPr>
-          <a:xfrm>
-            <a:off x="1211589" y="3712426"/>
-            <a:ext cx="10104047" cy="1015663"/>
-          </a:xfrm>
-          <a:prstGeom prst="rect">
-            <a:avLst/>
-          </a:prstGeom>
-          <a:noFill/>
-        </p:spPr>
-        <p:txBody>
-          <a:bodyPr wrap="square" rtlCol="0">
-            <a:spAutoFit/>
-          </a:bodyPr>
-          <a:lstStyle/>
-          <a:p>
-            <a:r>
-              <a:rPr lang="en-US" sz="6000" b="1" dirty="0">
-                <a:solidFill>
-                  <a:srgbClr val="FFC000"/>
-                </a:solidFill>
-              </a:rPr>
-              <a:t>&lt;=                  &gt;=                          !=</a:t>
-            </a:r>
-            <a:endParaRPr lang="en-US" sz="2800" b="1" dirty="0">
-              <a:solidFill>
-                <a:srgbClr val="FFC000"/>
-              </a:solidFill>
-            </a:endParaRPr>
-          </a:p>
-        </p:txBody>
-      </p:sp>
-    </p:spTree>
-    <p:extLst>
-      <p:ext uri="{BB962C8B-B14F-4D97-AF65-F5344CB8AC3E}">
-        <p14:creationId xmlns:p14="http://schemas.microsoft.com/office/powerpoint/2010/main" val="2290184409"/>
-      </p:ext>
-    </p:extLst>
-  </p:cSld>
-  <p:clrMapOvr>
-    <a:masterClrMapping/>
-  </p:clrMapOvr>
-</p:sld>
-</file>
-
-<file path=ppt/slides/slide9.xml><?xml version="1.0" encoding="utf-8"?>
-<p:sld xmlns:a="http://schemas.openxmlformats.org/drawingml/2006/main" xmlns:r="http://schemas.openxmlformats.org/officeDocument/2006/relationships" xmlns:p="http://schemas.openxmlformats.org/presentationml/2006/main">
-  <p:cSld>
-    <p:spTree>
-      <p:nvGrpSpPr>
-        <p:cNvPr id="1" name=""/>
-        <p:cNvGrpSpPr/>
-        <p:nvPr/>
-      </p:nvGrpSpPr>
-      <p:grpSpPr>
-        <a:xfrm>
-          <a:off x="0" y="0"/>
-          <a:ext cx="0" cy="0"/>
-          <a:chOff x="0" y="0"/>
-          <a:chExt cx="0" cy="0"/>
-        </a:xfrm>
-      </p:grpSpPr>
-      <p:sp>
-        <p:nvSpPr>
-          <p:cNvPr id="2" name="TextBox 1">
-            <a:extLst>
-              <a:ext uri="{FF2B5EF4-FFF2-40B4-BE49-F238E27FC236}">
-                <a16:creationId xmlns:a16="http://schemas.microsoft.com/office/drawing/2014/main" id="{D26FA23B-AFED-46E8-91EB-F49D46080A1B}"/>
-              </a:ext>
-            </a:extLst>
-          </p:cNvPr>
-          <p:cNvSpPr txBox="1"/>
-          <p:nvPr/>
-        </p:nvSpPr>
-        <p:spPr>
-          <a:xfrm>
-            <a:off x="3849522" y="233273"/>
-            <a:ext cx="4735592" cy="430887"/>
-          </a:xfrm>
-          <a:prstGeom prst="rect">
-            <a:avLst/>
-          </a:prstGeom>
-          <a:noFill/>
-        </p:spPr>
-        <p:txBody>
-          <a:bodyPr wrap="none" rtlCol="0">
-            <a:spAutoFit/>
-          </a:bodyPr>
-          <a:lstStyle/>
-          <a:p>
-            <a:r>
-              <a:rPr lang="en-US" sz="2200" b="1" dirty="0">
-                <a:solidFill>
-                  <a:srgbClr val="FF9000"/>
-                </a:solidFill>
-                <a:latin typeface="Montserrat" panose="00000500000000000000" pitchFamily="2" charset="0"/>
-              </a:rPr>
-              <a:t>Logical / Compound Operators</a:t>
-            </a:r>
-          </a:p>
-        </p:txBody>
-      </p:sp>
-      <p:sp>
-        <p:nvSpPr>
-          <p:cNvPr id="3" name="TextBox 2">
-            <a:extLst>
-              <a:ext uri="{FF2B5EF4-FFF2-40B4-BE49-F238E27FC236}">
-                <a16:creationId xmlns:a16="http://schemas.microsoft.com/office/drawing/2014/main" id="{CAE67547-E8A3-4B98-A961-95DBEAC696C0}"/>
-              </a:ext>
-            </a:extLst>
-          </p:cNvPr>
-          <p:cNvSpPr txBox="1"/>
-          <p:nvPr/>
-        </p:nvSpPr>
-        <p:spPr>
-          <a:xfrm>
-            <a:off x="619433" y="1890715"/>
-            <a:ext cx="11031794" cy="2693045"/>
-          </a:xfrm>
-          <a:prstGeom prst="rect">
-            <a:avLst/>
-          </a:prstGeom>
-          <a:noFill/>
-        </p:spPr>
-        <p:txBody>
-          <a:bodyPr wrap="square">
-            <a:spAutoFit/>
-          </a:bodyPr>
-          <a:lstStyle/>
-          <a:p>
-            <a:pPr algn="ctr"/>
-            <a:r>
-              <a:rPr lang="en-US" sz="11500" dirty="0">
-                <a:solidFill>
-                  <a:srgbClr val="FF9000"/>
-                </a:solidFill>
-                <a:latin typeface="Montserrat" panose="00000500000000000000" pitchFamily="2" charset="0"/>
-                <a:ea typeface="open sans" panose="020B0606030504020204" pitchFamily="34" charset="0"/>
-                <a:cs typeface="open sans" panose="020B0606030504020204" pitchFamily="34" charset="0"/>
-              </a:rPr>
-              <a:t>“</a:t>
-            </a:r>
-            <a:r>
-              <a:rPr lang="en-US" dirty="0"/>
-              <a:t> </a:t>
-            </a:r>
-            <a:r>
-              <a:rPr lang="en-US" dirty="0">
-                <a:latin typeface="open sans" panose="020B0606030504020204" pitchFamily="34" charset="0"/>
-                <a:ea typeface="open sans" panose="020B0606030504020204" pitchFamily="34" charset="0"/>
-                <a:cs typeface="open sans" panose="020B0606030504020204" pitchFamily="34" charset="0"/>
-              </a:rPr>
-              <a:t>A logical operator is a symbol or word used to connect two or more expressions such that the value of the compound expression produced depends only on that of the original expressions and on </a:t>
-            </a:r>
-          </a:p>
-          <a:p>
-            <a:pPr algn="ctr"/>
-            <a:endParaRPr lang="en-US" dirty="0">
-              <a:latin typeface="open sans" panose="020B0606030504020204" pitchFamily="34" charset="0"/>
-              <a:ea typeface="open sans" panose="020B0606030504020204" pitchFamily="34" charset="0"/>
-              <a:cs typeface="open sans" panose="020B0606030504020204" pitchFamily="34" charset="0"/>
-            </a:endParaRPr>
-          </a:p>
-          <a:p>
-            <a:pPr algn="ctr"/>
-            <a:r>
-              <a:rPr lang="en-US" dirty="0">
-                <a:latin typeface="open sans" panose="020B0606030504020204" pitchFamily="34" charset="0"/>
-                <a:ea typeface="open sans" panose="020B0606030504020204" pitchFamily="34" charset="0"/>
-                <a:cs typeface="open sans" panose="020B0606030504020204" pitchFamily="34" charset="0"/>
-              </a:rPr>
-              <a:t>the meaning of the operator.</a:t>
-            </a:r>
-          </a:p>
-        </p:txBody>
-      </p:sp>
-    </p:spTree>
-    <p:extLst>
-      <p:ext uri="{BB962C8B-B14F-4D97-AF65-F5344CB8AC3E}">
-        <p14:creationId xmlns:p14="http://schemas.microsoft.com/office/powerpoint/2010/main" val="1190130698"/>
-      </p:ext>
-    </p:extLst>
-  </p:cSld>
-  <p:clrMapOvr>
-    <a:masterClrMapping/>
-  </p:clrMapOvr>
-  <p:timing>
-    <p:tnLst>
-      <p:par>
-        <p:cTn id="1" dur="indefinite" restart="never" nodeType="tmRoot">
-          <p:childTnLst>
-            <p:seq concurrent="1" nextAc="seek">
-              <p:cTn id="2" dur="indefinite" nodeType="mainSeq">
-                <p:childTnLst>
-                  <p:par>
-                    <p:cTn id="3" fill="hold">
-                      <p:stCondLst>
-                        <p:cond delay="indefinite"/>
-                      </p:stCondLst>
-                      <p:childTnLst>
-                        <p:par>
-                          <p:cTn id="4" fill="hold">
-                            <p:stCondLst>
-                              <p:cond delay="0"/>
-                            </p:stCondLst>
-                            <p:childTnLst>
-                              <p:par>
-                                <p:cTn id="5" presetID="10" presetClass="entr" presetSubtype="0" fill="hold" grpId="0" nodeType="clickEffect">
-                                  <p:stCondLst>
-                                    <p:cond delay="0"/>
-                                  </p:stCondLst>
-                                  <p:childTnLst>
-                                    <p:set>
-                                      <p:cBhvr>
-                                        <p:cTn id="6" dur="1" fill="hold">
-                                          <p:stCondLst>
-                                            <p:cond delay="0"/>
-                                          </p:stCondLst>
-                                        </p:cTn>
-                                        <p:tgtEl>
-                                          <p:spTgt spid="3"/>
-                                        </p:tgtEl>
-                                        <p:attrNameLst>
-                                          <p:attrName>style.visibility</p:attrName>
-                                        </p:attrNameLst>
-                                      </p:cBhvr>
-                                      <p:to>
-                                        <p:strVal val="visible"/>
-                                      </p:to>
-                                    </p:set>
-                                    <p:animEffect transition="in" filter="fade">
-                                      <p:cBhvr>
-                                        <p:cTn id="7" dur="500"/>
-                                        <p:tgtEl>
-                                          <p:spTgt spid="3"/>
-                                        </p:tgtEl>
-                                      </p:cBhvr>
-                                    </p:animEffect>
-                                  </p:childTnLst>
-                                </p:cTn>
-                              </p:par>
-                            </p:childTnLst>
-                          </p:cTn>
-                        </p:par>
-                      </p:childTnLst>
-                    </p:cTn>
-                  </p:par>
-                </p:childTnLst>
-              </p:cTn>
-              <p:prevCondLst>
-                <p:cond evt="onPrev" delay="0">
-                  <p:tgtEl>
-                    <p:sldTgt/>
-                  </p:tgtEl>
-                </p:cond>
-              </p:prevCondLst>
-              <p:nextCondLst>
-                <p:cond evt="onNext" delay="0">
-                  <p:tgtEl>
-                    <p:sldTgt/>
-                  </p:tgtEl>
-                </p:cond>
-              </p:nextCondLst>
-            </p:seq>
-          </p:childTnLst>
-        </p:cTn>
-      </p:par>
-    </p:tnLst>
-    <p:bldLst>
-      <p:bldP spid="3" grpId="0"/>
     </p:bldLst>
   </p:timing>
 </p:sld>

--- a/3. Operators.pptx
+++ b/3. Operators.pptx
@@ -16,10 +16,15 @@
     <p:sldId id="264" r:id="rId10"/>
     <p:sldId id="266" r:id="rId11"/>
     <p:sldId id="269" r:id="rId12"/>
-    <p:sldId id="267" r:id="rId13"/>
-    <p:sldId id="270" r:id="rId14"/>
-    <p:sldId id="268" r:id="rId15"/>
-    <p:sldId id="271" r:id="rId16"/>
+    <p:sldId id="280" r:id="rId13"/>
+    <p:sldId id="279" r:id="rId14"/>
+    <p:sldId id="281" r:id="rId15"/>
+    <p:sldId id="267" r:id="rId16"/>
+    <p:sldId id="270" r:id="rId17"/>
+    <p:sldId id="268" r:id="rId18"/>
+    <p:sldId id="271" r:id="rId19"/>
+    <p:sldId id="278" r:id="rId20"/>
+    <p:sldId id="277" r:id="rId21"/>
   </p:sldIdLst>
   <p:sldSz cx="12192000" cy="6858000"/>
   <p:notesSz cx="6858000" cy="9144000"/>
@@ -299,7 +304,7 @@
           <a:p>
             <a:fld id="{F31D93F7-D765-46CF-9ED7-783E7BCB2F3F}" type="datetimeFigureOut">
               <a:rPr lang="en-US" smtClean="0"/>
-              <a:t>4/21/2022</a:t>
+              <a:t>4/22/2022</a:t>
             </a:fld>
             <a:endParaRPr lang="en-US"/>
           </a:p>
@@ -497,7 +502,7 @@
           <a:p>
             <a:fld id="{F31D93F7-D765-46CF-9ED7-783E7BCB2F3F}" type="datetimeFigureOut">
               <a:rPr lang="en-US" smtClean="0"/>
-              <a:t>4/21/2022</a:t>
+              <a:t>4/22/2022</a:t>
             </a:fld>
             <a:endParaRPr lang="en-US"/>
           </a:p>
@@ -705,7 +710,7 @@
           <a:p>
             <a:fld id="{F31D93F7-D765-46CF-9ED7-783E7BCB2F3F}" type="datetimeFigureOut">
               <a:rPr lang="en-US" smtClean="0"/>
-              <a:t>4/21/2022</a:t>
+              <a:t>4/22/2022</a:t>
             </a:fld>
             <a:endParaRPr lang="en-US"/>
           </a:p>
@@ -903,7 +908,7 @@
           <a:p>
             <a:fld id="{F31D93F7-D765-46CF-9ED7-783E7BCB2F3F}" type="datetimeFigureOut">
               <a:rPr lang="en-US" smtClean="0"/>
-              <a:t>4/21/2022</a:t>
+              <a:t>4/22/2022</a:t>
             </a:fld>
             <a:endParaRPr lang="en-US"/>
           </a:p>
@@ -1178,7 +1183,7 @@
           <a:p>
             <a:fld id="{F31D93F7-D765-46CF-9ED7-783E7BCB2F3F}" type="datetimeFigureOut">
               <a:rPr lang="en-US" smtClean="0"/>
-              <a:t>4/21/2022</a:t>
+              <a:t>4/22/2022</a:t>
             </a:fld>
             <a:endParaRPr lang="en-US"/>
           </a:p>
@@ -1443,7 +1448,7 @@
           <a:p>
             <a:fld id="{F31D93F7-D765-46CF-9ED7-783E7BCB2F3F}" type="datetimeFigureOut">
               <a:rPr lang="en-US" smtClean="0"/>
-              <a:t>4/21/2022</a:t>
+              <a:t>4/22/2022</a:t>
             </a:fld>
             <a:endParaRPr lang="en-US"/>
           </a:p>
@@ -1855,7 +1860,7 @@
           <a:p>
             <a:fld id="{F31D93F7-D765-46CF-9ED7-783E7BCB2F3F}" type="datetimeFigureOut">
               <a:rPr lang="en-US" smtClean="0"/>
-              <a:t>4/21/2022</a:t>
+              <a:t>4/22/2022</a:t>
             </a:fld>
             <a:endParaRPr lang="en-US"/>
           </a:p>
@@ -1996,7 +2001,7 @@
           <a:p>
             <a:fld id="{F31D93F7-D765-46CF-9ED7-783E7BCB2F3F}" type="datetimeFigureOut">
               <a:rPr lang="en-US" smtClean="0"/>
-              <a:t>4/21/2022</a:t>
+              <a:t>4/22/2022</a:t>
             </a:fld>
             <a:endParaRPr lang="en-US"/>
           </a:p>
@@ -2109,7 +2114,7 @@
           <a:p>
             <a:fld id="{F31D93F7-D765-46CF-9ED7-783E7BCB2F3F}" type="datetimeFigureOut">
               <a:rPr lang="en-US" smtClean="0"/>
-              <a:t>4/21/2022</a:t>
+              <a:t>4/22/2022</a:t>
             </a:fld>
             <a:endParaRPr lang="en-US"/>
           </a:p>
@@ -2420,7 +2425,7 @@
           <a:p>
             <a:fld id="{F31D93F7-D765-46CF-9ED7-783E7BCB2F3F}" type="datetimeFigureOut">
               <a:rPr lang="en-US" smtClean="0"/>
-              <a:t>4/21/2022</a:t>
+              <a:t>4/22/2022</a:t>
             </a:fld>
             <a:endParaRPr lang="en-US"/>
           </a:p>
@@ -2708,7 +2713,7 @@
           <a:p>
             <a:fld id="{F31D93F7-D765-46CF-9ED7-783E7BCB2F3F}" type="datetimeFigureOut">
               <a:rPr lang="en-US" smtClean="0"/>
-              <a:t>4/21/2022</a:t>
+              <a:t>4/22/2022</a:t>
             </a:fld>
             <a:endParaRPr lang="en-US"/>
           </a:p>
@@ -2949,7 +2954,7 @@
           <a:p>
             <a:fld id="{F31D93F7-D765-46CF-9ED7-783E7BCB2F3F}" type="datetimeFigureOut">
               <a:rPr lang="en-US" smtClean="0"/>
-              <a:t>4/21/2022</a:t>
+              <a:t>4/22/2022</a:t>
             </a:fld>
             <a:endParaRPr lang="en-US"/>
           </a:p>
@@ -4304,7 +4309,7 @@
         <p:spPr>
           <a:xfrm>
             <a:off x="1180011" y="1740068"/>
-            <a:ext cx="10544874" cy="1015663"/>
+            <a:ext cx="10195420" cy="1015663"/>
           </a:xfrm>
           <a:prstGeom prst="rect">
             <a:avLst/>
@@ -4323,7 +4328,7 @@
                   <a:srgbClr val="FFC000"/>
                 </a:solidFill>
               </a:rPr>
-              <a:t>*                     /                             %</a:t>
+              <a:t>*                        /                         %</a:t>
             </a:r>
             <a:endParaRPr lang="en-US" sz="2800" b="1" dirty="0">
               <a:solidFill>
@@ -4374,6 +4379,216 @@
                 <a:srgbClr val="FFC000"/>
               </a:solidFill>
             </a:endParaRPr>
+          </a:p>
+        </p:txBody>
+      </p:sp>
+      <p:sp>
+        <p:nvSpPr>
+          <p:cNvPr id="4" name="TextBox 3">
+            <a:extLst>
+              <a:ext uri="{FF2B5EF4-FFF2-40B4-BE49-F238E27FC236}">
+                <a16:creationId xmlns:a16="http://schemas.microsoft.com/office/drawing/2014/main" id="{B0CE736D-B98B-4C7D-930F-2FC0789911D7}"/>
+              </a:ext>
+            </a:extLst>
+          </p:cNvPr>
+          <p:cNvSpPr txBox="1"/>
+          <p:nvPr/>
+        </p:nvSpPr>
+        <p:spPr>
+          <a:xfrm>
+            <a:off x="724892" y="2386399"/>
+            <a:ext cx="1527726" cy="369332"/>
+          </a:xfrm>
+          <a:prstGeom prst="rect">
+            <a:avLst/>
+          </a:prstGeom>
+          <a:noFill/>
+        </p:spPr>
+        <p:txBody>
+          <a:bodyPr wrap="none" rtlCol="0">
+            <a:spAutoFit/>
+          </a:bodyPr>
+          <a:lstStyle/>
+          <a:p>
+            <a:r>
+              <a:rPr lang="en-US" b="1" dirty="0"/>
+              <a:t>Multiplication</a:t>
+            </a:r>
+          </a:p>
+        </p:txBody>
+      </p:sp>
+      <p:sp>
+        <p:nvSpPr>
+          <p:cNvPr id="5" name="TextBox 4">
+            <a:extLst>
+              <a:ext uri="{FF2B5EF4-FFF2-40B4-BE49-F238E27FC236}">
+                <a16:creationId xmlns:a16="http://schemas.microsoft.com/office/drawing/2014/main" id="{5EF1F252-5E56-48B4-9993-B0AFC2FB90AB}"/>
+              </a:ext>
+            </a:extLst>
+          </p:cNvPr>
+          <p:cNvSpPr txBox="1"/>
+          <p:nvPr/>
+        </p:nvSpPr>
+        <p:spPr>
+          <a:xfrm>
+            <a:off x="5394885" y="2571065"/>
+            <a:ext cx="946093" cy="369332"/>
+          </a:xfrm>
+          <a:prstGeom prst="rect">
+            <a:avLst/>
+          </a:prstGeom>
+          <a:noFill/>
+        </p:spPr>
+        <p:txBody>
+          <a:bodyPr wrap="none" rtlCol="0">
+            <a:spAutoFit/>
+          </a:bodyPr>
+          <a:lstStyle/>
+          <a:p>
+            <a:r>
+              <a:rPr lang="en-US" b="1" dirty="0"/>
+              <a:t>Division</a:t>
+            </a:r>
+          </a:p>
+        </p:txBody>
+      </p:sp>
+      <p:sp>
+        <p:nvSpPr>
+          <p:cNvPr id="6" name="TextBox 5">
+            <a:extLst>
+              <a:ext uri="{FF2B5EF4-FFF2-40B4-BE49-F238E27FC236}">
+                <a16:creationId xmlns:a16="http://schemas.microsoft.com/office/drawing/2014/main" id="{A03B2A4A-F437-467B-800A-0F238B7EB1F8}"/>
+              </a:ext>
+            </a:extLst>
+          </p:cNvPr>
+          <p:cNvSpPr txBox="1"/>
+          <p:nvPr/>
+        </p:nvSpPr>
+        <p:spPr>
+          <a:xfrm>
+            <a:off x="10345795" y="2575911"/>
+            <a:ext cx="936475" cy="369332"/>
+          </a:xfrm>
+          <a:prstGeom prst="rect">
+            <a:avLst/>
+          </a:prstGeom>
+          <a:noFill/>
+        </p:spPr>
+        <p:txBody>
+          <a:bodyPr wrap="none" rtlCol="0">
+            <a:spAutoFit/>
+          </a:bodyPr>
+          <a:lstStyle/>
+          <a:p>
+            <a:r>
+              <a:rPr lang="en-US" b="1" dirty="0"/>
+              <a:t>Modulo</a:t>
+            </a:r>
+          </a:p>
+        </p:txBody>
+      </p:sp>
+      <p:sp>
+        <p:nvSpPr>
+          <p:cNvPr id="7" name="TextBox 6">
+            <a:extLst>
+              <a:ext uri="{FF2B5EF4-FFF2-40B4-BE49-F238E27FC236}">
+                <a16:creationId xmlns:a16="http://schemas.microsoft.com/office/drawing/2014/main" id="{4903BC1B-7877-4C74-BC5C-D9A67B6EFDAB}"/>
+              </a:ext>
+            </a:extLst>
+          </p:cNvPr>
+          <p:cNvSpPr txBox="1"/>
+          <p:nvPr/>
+        </p:nvSpPr>
+        <p:spPr>
+          <a:xfrm>
+            <a:off x="10139424" y="2940397"/>
+            <a:ext cx="1349216" cy="369332"/>
+          </a:xfrm>
+          <a:prstGeom prst="rect">
+            <a:avLst/>
+          </a:prstGeom>
+          <a:noFill/>
+        </p:spPr>
+        <p:txBody>
+          <a:bodyPr wrap="none" rtlCol="0">
+            <a:spAutoFit/>
+          </a:bodyPr>
+          <a:lstStyle/>
+          <a:p>
+            <a:r>
+              <a:rPr lang="en-US" dirty="0"/>
+              <a:t>(Remainder)</a:t>
+            </a:r>
+          </a:p>
+        </p:txBody>
+      </p:sp>
+      <p:sp>
+        <p:nvSpPr>
+          <p:cNvPr id="8" name="TextBox 7">
+            <a:extLst>
+              <a:ext uri="{FF2B5EF4-FFF2-40B4-BE49-F238E27FC236}">
+                <a16:creationId xmlns:a16="http://schemas.microsoft.com/office/drawing/2014/main" id="{D931EF1A-0E6D-4486-BA1D-40C7C9D8B691}"/>
+              </a:ext>
+            </a:extLst>
+          </p:cNvPr>
+          <p:cNvSpPr txBox="1"/>
+          <p:nvPr/>
+        </p:nvSpPr>
+        <p:spPr>
+          <a:xfrm>
+            <a:off x="4107227" y="4572000"/>
+            <a:ext cx="1010213" cy="369332"/>
+          </a:xfrm>
+          <a:prstGeom prst="rect">
+            <a:avLst/>
+          </a:prstGeom>
+          <a:noFill/>
+        </p:spPr>
+        <p:txBody>
+          <a:bodyPr wrap="none" rtlCol="0">
+            <a:spAutoFit/>
+          </a:bodyPr>
+          <a:lstStyle/>
+          <a:p>
+            <a:r>
+              <a:rPr lang="en-US" b="1" dirty="0"/>
+              <a:t>Addition</a:t>
+            </a:r>
+          </a:p>
+        </p:txBody>
+      </p:sp>
+      <p:sp>
+        <p:nvSpPr>
+          <p:cNvPr id="9" name="TextBox 8">
+            <a:extLst>
+              <a:ext uri="{FF2B5EF4-FFF2-40B4-BE49-F238E27FC236}">
+                <a16:creationId xmlns:a16="http://schemas.microsoft.com/office/drawing/2014/main" id="{67D96064-0E01-4F56-95D5-82B80416B6EE}"/>
+              </a:ext>
+            </a:extLst>
+          </p:cNvPr>
+          <p:cNvSpPr txBox="1"/>
+          <p:nvPr/>
+        </p:nvSpPr>
+        <p:spPr>
+          <a:xfrm>
+            <a:off x="6169505" y="4543423"/>
+            <a:ext cx="1289584" cy="369332"/>
+          </a:xfrm>
+          <a:prstGeom prst="rect">
+            <a:avLst/>
+          </a:prstGeom>
+          <a:noFill/>
+        </p:spPr>
+        <p:txBody>
+          <a:bodyPr wrap="none" rtlCol="0">
+            <a:spAutoFit/>
+          </a:bodyPr>
+          <a:lstStyle/>
+          <a:p>
+            <a:r>
+              <a:rPr lang="en-US" b="1" dirty="0"/>
+              <a:t>Subtraction</a:t>
+            </a:r>
           </a:p>
         </p:txBody>
       </p:sp>
@@ -4412,7 +4627,7 @@
           <p:cNvPr id="2" name="TextBox 1">
             <a:extLst>
               <a:ext uri="{FF2B5EF4-FFF2-40B4-BE49-F238E27FC236}">
-                <a16:creationId xmlns:a16="http://schemas.microsoft.com/office/drawing/2014/main" id="{D26FA23B-AFED-46E8-91EB-F49D46080A1B}"/>
+                <a16:creationId xmlns:a16="http://schemas.microsoft.com/office/drawing/2014/main" id="{CC0DBFDA-14A9-4428-B8D0-ED00BBEC0F6B}"/>
               </a:ext>
             </a:extLst>
           </p:cNvPr>
@@ -4422,7 +4637,7 @@
         <p:spPr>
           <a:xfrm>
             <a:off x="4424709" y="203776"/>
-            <a:ext cx="3243196" cy="430887"/>
+            <a:ext cx="3259226" cy="430887"/>
           </a:xfrm>
           <a:prstGeom prst="rect">
             <a:avLst/>
@@ -4442,7 +4657,7 @@
                 </a:solidFill>
                 <a:latin typeface="Montserrat" panose="00000500000000000000" pitchFamily="2" charset="0"/>
               </a:rPr>
-              <a:t>Relational Operators</a:t>
+              <a:t>Order of Precedence</a:t>
             </a:r>
           </a:p>
         </p:txBody>
@@ -4452,7 +4667,7 @@
           <p:cNvPr id="3" name="TextBox 2">
             <a:extLst>
               <a:ext uri="{FF2B5EF4-FFF2-40B4-BE49-F238E27FC236}">
-                <a16:creationId xmlns:a16="http://schemas.microsoft.com/office/drawing/2014/main" id="{CAE67547-E8A3-4B98-A961-95DBEAC696C0}"/>
+                <a16:creationId xmlns:a16="http://schemas.microsoft.com/office/drawing/2014/main" id="{3B76FE96-5E58-4179-AD72-91200C14707C}"/>
               </a:ext>
             </a:extLst>
           </p:cNvPr>
@@ -4461,7 +4676,7 @@
         </p:nvSpPr>
         <p:spPr>
           <a:xfrm>
-            <a:off x="780928" y="1861218"/>
+            <a:off x="830825" y="1949708"/>
             <a:ext cx="10530349" cy="2139047"/>
           </a:xfrm>
           <a:prstGeom prst="rect">
@@ -4488,12 +4703,32 @@
               <a:t>“</a:t>
             </a:r>
             <a:r>
+              <a:rPr lang="en-US" dirty="0"/>
+              <a:t> </a:t>
+            </a:r>
+            <a:r>
               <a:rPr lang="en-US" dirty="0">
                 <a:latin typeface="open sans" panose="020B0606030504020204" pitchFamily="34" charset="0"/>
                 <a:ea typeface="open sans" panose="020B0606030504020204" pitchFamily="34" charset="0"/>
                 <a:cs typeface="open sans" panose="020B0606030504020204" pitchFamily="34" charset="0"/>
               </a:rPr>
-              <a:t>Relational operators allow us compare values to determine if one is greater than, less than, equal to, or not equal to another.</a:t>
+              <a:t>Precedence, in programming, is </a:t>
+            </a:r>
+            <a:r>
+              <a:rPr lang="en-US" b="1" dirty="0">
+                <a:latin typeface="open sans" panose="020B0606030504020204" pitchFamily="34" charset="0"/>
+                <a:ea typeface="open sans" panose="020B0606030504020204" pitchFamily="34" charset="0"/>
+                <a:cs typeface="open sans" panose="020B0606030504020204" pitchFamily="34" charset="0"/>
+              </a:rPr>
+              <a:t>the rule that specifies the order in which certain operations need to be performed in an expression</a:t>
+            </a:r>
+            <a:r>
+              <a:rPr lang="en-US" dirty="0">
+                <a:latin typeface="open sans" panose="020B0606030504020204" pitchFamily="34" charset="0"/>
+                <a:ea typeface="open sans" panose="020B0606030504020204" pitchFamily="34" charset="0"/>
+                <a:cs typeface="open sans" panose="020B0606030504020204" pitchFamily="34" charset="0"/>
+              </a:rPr>
+              <a:t>.</a:t>
             </a:r>
           </a:p>
         </p:txBody>
@@ -4501,7 +4736,7 @@
     </p:spTree>
     <p:extLst>
       <p:ext uri="{BB962C8B-B14F-4D97-AF65-F5344CB8AC3E}">
-        <p14:creationId xmlns:p14="http://schemas.microsoft.com/office/powerpoint/2010/main" val="620331381"/>
+        <p14:creationId xmlns:p14="http://schemas.microsoft.com/office/powerpoint/2010/main" val="2823157369"/>
       </p:ext>
     </p:extLst>
   </p:cSld>
@@ -4619,6 +4854,686 @@
           <p:cNvPr id="2" name="TextBox 1">
             <a:extLst>
               <a:ext uri="{FF2B5EF4-FFF2-40B4-BE49-F238E27FC236}">
+                <a16:creationId xmlns:a16="http://schemas.microsoft.com/office/drawing/2014/main" id="{5F334012-0EE0-4290-B142-E03EEBBA863B}"/>
+              </a:ext>
+            </a:extLst>
+          </p:cNvPr>
+          <p:cNvSpPr txBox="1"/>
+          <p:nvPr/>
+        </p:nvSpPr>
+        <p:spPr>
+          <a:xfrm>
+            <a:off x="4424709" y="203776"/>
+            <a:ext cx="3259226" cy="430887"/>
+          </a:xfrm>
+          <a:prstGeom prst="rect">
+            <a:avLst/>
+          </a:prstGeom>
+          <a:noFill/>
+        </p:spPr>
+        <p:txBody>
+          <a:bodyPr wrap="none" rtlCol="0">
+            <a:spAutoFit/>
+          </a:bodyPr>
+          <a:lstStyle/>
+          <a:p>
+            <a:r>
+              <a:rPr lang="en-US" sz="2200" b="1" dirty="0">
+                <a:solidFill>
+                  <a:srgbClr val="FF9000"/>
+                </a:solidFill>
+                <a:latin typeface="Montserrat" panose="00000500000000000000" pitchFamily="2" charset="0"/>
+              </a:rPr>
+              <a:t>Order of Precedence</a:t>
+            </a:r>
+          </a:p>
+        </p:txBody>
+      </p:sp>
+      <p:sp>
+        <p:nvSpPr>
+          <p:cNvPr id="3" name="TextBox 2">
+            <a:extLst>
+              <a:ext uri="{FF2B5EF4-FFF2-40B4-BE49-F238E27FC236}">
+                <a16:creationId xmlns:a16="http://schemas.microsoft.com/office/drawing/2014/main" id="{2659C0AC-7F64-4075-971E-078EF2E319D8}"/>
+              </a:ext>
+            </a:extLst>
+          </p:cNvPr>
+          <p:cNvSpPr txBox="1"/>
+          <p:nvPr/>
+        </p:nvSpPr>
+        <p:spPr>
+          <a:xfrm>
+            <a:off x="1342243" y="1740068"/>
+            <a:ext cx="10195420" cy="1015663"/>
+          </a:xfrm>
+          <a:prstGeom prst="rect">
+            <a:avLst/>
+          </a:prstGeom>
+          <a:noFill/>
+        </p:spPr>
+        <p:txBody>
+          <a:bodyPr wrap="none" rtlCol="0">
+            <a:spAutoFit/>
+          </a:bodyPr>
+          <a:lstStyle/>
+          <a:p>
+            <a:r>
+              <a:rPr lang="en-US" sz="6000" b="1" dirty="0">
+                <a:solidFill>
+                  <a:srgbClr val="FFC000"/>
+                </a:solidFill>
+              </a:rPr>
+              <a:t>*                        /                         %</a:t>
+            </a:r>
+            <a:endParaRPr lang="en-US" sz="2800" b="1" dirty="0">
+              <a:solidFill>
+                <a:srgbClr val="FFC000"/>
+              </a:solidFill>
+            </a:endParaRPr>
+          </a:p>
+        </p:txBody>
+      </p:sp>
+      <p:sp>
+        <p:nvSpPr>
+          <p:cNvPr id="4" name="TextBox 3">
+            <a:extLst>
+              <a:ext uri="{FF2B5EF4-FFF2-40B4-BE49-F238E27FC236}">
+                <a16:creationId xmlns:a16="http://schemas.microsoft.com/office/drawing/2014/main" id="{DC4F8637-FA6E-43FA-8636-4F086FA1B6F9}"/>
+              </a:ext>
+            </a:extLst>
+          </p:cNvPr>
+          <p:cNvSpPr txBox="1"/>
+          <p:nvPr/>
+        </p:nvSpPr>
+        <p:spPr>
+          <a:xfrm>
+            <a:off x="578380" y="1132786"/>
+            <a:ext cx="1425711" cy="369332"/>
+          </a:xfrm>
+          <a:prstGeom prst="rect">
+            <a:avLst/>
+          </a:prstGeom>
+          <a:noFill/>
+        </p:spPr>
+        <p:txBody>
+          <a:bodyPr wrap="none" rtlCol="0">
+            <a:spAutoFit/>
+          </a:bodyPr>
+          <a:lstStyle/>
+          <a:p>
+            <a:r>
+              <a:rPr lang="en-US" b="1" u="sng" dirty="0"/>
+              <a:t>FIRST ORDER</a:t>
+            </a:r>
+          </a:p>
+        </p:txBody>
+      </p:sp>
+      <p:sp>
+        <p:nvSpPr>
+          <p:cNvPr id="5" name="TextBox 4">
+            <a:extLst>
+              <a:ext uri="{FF2B5EF4-FFF2-40B4-BE49-F238E27FC236}">
+                <a16:creationId xmlns:a16="http://schemas.microsoft.com/office/drawing/2014/main" id="{CBAD30D7-5FC1-4907-9697-F6DF29F4D13A}"/>
+              </a:ext>
+            </a:extLst>
+          </p:cNvPr>
+          <p:cNvSpPr txBox="1"/>
+          <p:nvPr/>
+        </p:nvSpPr>
+        <p:spPr>
+          <a:xfrm>
+            <a:off x="578380" y="3244333"/>
+            <a:ext cx="1796109" cy="369332"/>
+          </a:xfrm>
+          <a:prstGeom prst="rect">
+            <a:avLst/>
+          </a:prstGeom>
+          <a:noFill/>
+        </p:spPr>
+        <p:txBody>
+          <a:bodyPr wrap="square" rtlCol="0">
+            <a:spAutoFit/>
+          </a:bodyPr>
+          <a:lstStyle/>
+          <a:p>
+            <a:r>
+              <a:rPr lang="en-US" b="1" u="sng" dirty="0"/>
+              <a:t>SECOND ORDER</a:t>
+            </a:r>
+          </a:p>
+        </p:txBody>
+      </p:sp>
+      <p:sp>
+        <p:nvSpPr>
+          <p:cNvPr id="6" name="TextBox 5">
+            <a:extLst>
+              <a:ext uri="{FF2B5EF4-FFF2-40B4-BE49-F238E27FC236}">
+                <a16:creationId xmlns:a16="http://schemas.microsoft.com/office/drawing/2014/main" id="{02EB7FDA-D92F-40E2-8805-3DEAF9A2DD0C}"/>
+              </a:ext>
+            </a:extLst>
+          </p:cNvPr>
+          <p:cNvSpPr txBox="1"/>
+          <p:nvPr/>
+        </p:nvSpPr>
+        <p:spPr>
+          <a:xfrm>
+            <a:off x="4958509" y="4346607"/>
+            <a:ext cx="2725426" cy="1015663"/>
+          </a:xfrm>
+          <a:prstGeom prst="rect">
+            <a:avLst/>
+          </a:prstGeom>
+          <a:noFill/>
+        </p:spPr>
+        <p:txBody>
+          <a:bodyPr wrap="none" rtlCol="0">
+            <a:spAutoFit/>
+          </a:bodyPr>
+          <a:lstStyle/>
+          <a:p>
+            <a:r>
+              <a:rPr lang="en-US" sz="6000" b="1" dirty="0">
+                <a:solidFill>
+                  <a:srgbClr val="FFC000"/>
+                </a:solidFill>
+              </a:rPr>
+              <a:t>+           -</a:t>
+            </a:r>
+            <a:endParaRPr lang="en-US" sz="2800" b="1" dirty="0">
+              <a:solidFill>
+                <a:srgbClr val="FFC000"/>
+              </a:solidFill>
+            </a:endParaRPr>
+          </a:p>
+        </p:txBody>
+      </p:sp>
+    </p:spTree>
+    <p:extLst>
+      <p:ext uri="{BB962C8B-B14F-4D97-AF65-F5344CB8AC3E}">
+        <p14:creationId xmlns:p14="http://schemas.microsoft.com/office/powerpoint/2010/main" val="1061067889"/>
+      </p:ext>
+    </p:extLst>
+  </p:cSld>
+  <p:clrMapOvr>
+    <a:masterClrMapping/>
+  </p:clrMapOvr>
+</p:sld>
+</file>
+
+<file path=ppt/slides/slide14.xml><?xml version="1.0" encoding="utf-8"?>
+<p:sld xmlns:a="http://schemas.openxmlformats.org/drawingml/2006/main" xmlns:r="http://schemas.openxmlformats.org/officeDocument/2006/relationships" xmlns:p="http://schemas.openxmlformats.org/presentationml/2006/main">
+  <p:cSld>
+    <p:spTree>
+      <p:nvGrpSpPr>
+        <p:cNvPr id="1" name=""/>
+        <p:cNvGrpSpPr/>
+        <p:nvPr/>
+      </p:nvGrpSpPr>
+      <p:grpSpPr>
+        <a:xfrm>
+          <a:off x="0" y="0"/>
+          <a:ext cx="0" cy="0"/>
+          <a:chOff x="0" y="0"/>
+          <a:chExt cx="0" cy="0"/>
+        </a:xfrm>
+      </p:grpSpPr>
+      <p:sp>
+        <p:nvSpPr>
+          <p:cNvPr id="2" name="TextBox 1">
+            <a:extLst>
+              <a:ext uri="{FF2B5EF4-FFF2-40B4-BE49-F238E27FC236}">
+                <a16:creationId xmlns:a16="http://schemas.microsoft.com/office/drawing/2014/main" id="{A93BF4D5-A971-4A76-B4FE-75AD87F4A615}"/>
+              </a:ext>
+            </a:extLst>
+          </p:cNvPr>
+          <p:cNvSpPr txBox="1"/>
+          <p:nvPr/>
+        </p:nvSpPr>
+        <p:spPr>
+          <a:xfrm>
+            <a:off x="5196555" y="174279"/>
+            <a:ext cx="1798890" cy="430887"/>
+          </a:xfrm>
+          <a:prstGeom prst="rect">
+            <a:avLst/>
+          </a:prstGeom>
+          <a:noFill/>
+        </p:spPr>
+        <p:txBody>
+          <a:bodyPr wrap="none" rtlCol="0">
+            <a:spAutoFit/>
+          </a:bodyPr>
+          <a:lstStyle/>
+          <a:p>
+            <a:r>
+              <a:rPr lang="en-US" sz="2200" b="1" dirty="0">
+                <a:solidFill>
+                  <a:srgbClr val="FF9000"/>
+                </a:solidFill>
+                <a:latin typeface="Montserrat" panose="00000500000000000000" pitchFamily="2" charset="0"/>
+              </a:rPr>
+              <a:t>Illustration</a:t>
+            </a:r>
+          </a:p>
+        </p:txBody>
+      </p:sp>
+      <p:sp>
+        <p:nvSpPr>
+          <p:cNvPr id="3" name="TextBox 2">
+            <a:extLst>
+              <a:ext uri="{FF2B5EF4-FFF2-40B4-BE49-F238E27FC236}">
+                <a16:creationId xmlns:a16="http://schemas.microsoft.com/office/drawing/2014/main" id="{ABED68D6-7892-416B-883F-E4CFEA42486C}"/>
+              </a:ext>
+            </a:extLst>
+          </p:cNvPr>
+          <p:cNvSpPr txBox="1"/>
+          <p:nvPr/>
+        </p:nvSpPr>
+        <p:spPr>
+          <a:xfrm>
+            <a:off x="1079824" y="1209056"/>
+            <a:ext cx="2489286" cy="369332"/>
+          </a:xfrm>
+          <a:prstGeom prst="rect">
+            <a:avLst/>
+          </a:prstGeom>
+          <a:noFill/>
+        </p:spPr>
+        <p:txBody>
+          <a:bodyPr wrap="square" rtlCol="0">
+            <a:spAutoFit/>
+          </a:bodyPr>
+          <a:lstStyle/>
+          <a:p>
+            <a:r>
+              <a:rPr lang="en-US" b="1" dirty="0"/>
+              <a:t>2/3 + 4%2 + 2+3*2</a:t>
+            </a:r>
+          </a:p>
+        </p:txBody>
+      </p:sp>
+      <p:sp>
+        <p:nvSpPr>
+          <p:cNvPr id="4" name="TextBox 3">
+            <a:extLst>
+              <a:ext uri="{FF2B5EF4-FFF2-40B4-BE49-F238E27FC236}">
+                <a16:creationId xmlns:a16="http://schemas.microsoft.com/office/drawing/2014/main" id="{85D7DA8D-14AE-4619-A439-A9379B45F3FB}"/>
+              </a:ext>
+            </a:extLst>
+          </p:cNvPr>
+          <p:cNvSpPr txBox="1"/>
+          <p:nvPr/>
+        </p:nvSpPr>
+        <p:spPr>
+          <a:xfrm>
+            <a:off x="1079824" y="2063234"/>
+            <a:ext cx="2489286" cy="369332"/>
+          </a:xfrm>
+          <a:prstGeom prst="rect">
+            <a:avLst/>
+          </a:prstGeom>
+          <a:noFill/>
+        </p:spPr>
+        <p:txBody>
+          <a:bodyPr wrap="square" rtlCol="0">
+            <a:spAutoFit/>
+          </a:bodyPr>
+          <a:lstStyle/>
+          <a:p>
+            <a:r>
+              <a:rPr lang="en-US" b="1" dirty="0"/>
+              <a:t>6/3 + 7 % 2 + 3+ 2/2</a:t>
+            </a:r>
+          </a:p>
+        </p:txBody>
+      </p:sp>
+      <p:sp>
+        <p:nvSpPr>
+          <p:cNvPr id="5" name="TextBox 4">
+            <a:extLst>
+              <a:ext uri="{FF2B5EF4-FFF2-40B4-BE49-F238E27FC236}">
+                <a16:creationId xmlns:a16="http://schemas.microsoft.com/office/drawing/2014/main" id="{C8BAB38F-E569-40CF-8790-D243BBF834E3}"/>
+              </a:ext>
+            </a:extLst>
+          </p:cNvPr>
+          <p:cNvSpPr txBox="1"/>
+          <p:nvPr/>
+        </p:nvSpPr>
+        <p:spPr>
+          <a:xfrm>
+            <a:off x="1079824" y="3044002"/>
+            <a:ext cx="2489286" cy="369332"/>
+          </a:xfrm>
+          <a:prstGeom prst="rect">
+            <a:avLst/>
+          </a:prstGeom>
+          <a:noFill/>
+        </p:spPr>
+        <p:txBody>
+          <a:bodyPr wrap="square" rtlCol="0">
+            <a:spAutoFit/>
+          </a:bodyPr>
+          <a:lstStyle/>
+          <a:p>
+            <a:r>
+              <a:rPr lang="en-US" b="1" dirty="0"/>
+              <a:t>1/3 + 1%2 + 1+2/1</a:t>
+            </a:r>
+          </a:p>
+        </p:txBody>
+      </p:sp>
+      <p:sp>
+        <p:nvSpPr>
+          <p:cNvPr id="6" name="TextBox 5">
+            <a:extLst>
+              <a:ext uri="{FF2B5EF4-FFF2-40B4-BE49-F238E27FC236}">
+                <a16:creationId xmlns:a16="http://schemas.microsoft.com/office/drawing/2014/main" id="{2FA0781F-E44E-4D9B-922D-080657D3E9A7}"/>
+              </a:ext>
+            </a:extLst>
+          </p:cNvPr>
+          <p:cNvSpPr txBox="1"/>
+          <p:nvPr/>
+        </p:nvSpPr>
+        <p:spPr>
+          <a:xfrm>
+            <a:off x="1079824" y="4024770"/>
+            <a:ext cx="2740008" cy="369332"/>
+          </a:xfrm>
+          <a:prstGeom prst="rect">
+            <a:avLst/>
+          </a:prstGeom>
+          <a:noFill/>
+        </p:spPr>
+        <p:txBody>
+          <a:bodyPr wrap="square" rtlCol="0">
+            <a:spAutoFit/>
+          </a:bodyPr>
+          <a:lstStyle/>
+          <a:p>
+            <a:r>
+              <a:rPr lang="en-US" b="1" dirty="0"/>
+              <a:t>-1 / 8 % 3 + 1 % 2 + 1+2/1</a:t>
+            </a:r>
+          </a:p>
+        </p:txBody>
+      </p:sp>
+      <p:sp>
+        <p:nvSpPr>
+          <p:cNvPr id="7" name="TextBox 6">
+            <a:extLst>
+              <a:ext uri="{FF2B5EF4-FFF2-40B4-BE49-F238E27FC236}">
+                <a16:creationId xmlns:a16="http://schemas.microsoft.com/office/drawing/2014/main" id="{5FDE4FA9-98AA-40B2-81EE-AC1FABA39CDB}"/>
+              </a:ext>
+            </a:extLst>
+          </p:cNvPr>
+          <p:cNvSpPr txBox="1"/>
+          <p:nvPr/>
+        </p:nvSpPr>
+        <p:spPr>
+          <a:xfrm>
+            <a:off x="1079824" y="5003998"/>
+            <a:ext cx="3034976" cy="369332"/>
+          </a:xfrm>
+          <a:prstGeom prst="rect">
+            <a:avLst/>
+          </a:prstGeom>
+          <a:noFill/>
+        </p:spPr>
+        <p:txBody>
+          <a:bodyPr wrap="square" rtlCol="0">
+            <a:spAutoFit/>
+          </a:bodyPr>
+          <a:lstStyle/>
+          <a:p>
+            <a:r>
+              <a:rPr lang="en-US" b="1" dirty="0"/>
+              <a:t>-1 /-8 % 2 + 2 % 1 + 1 + 2/1</a:t>
+            </a:r>
+          </a:p>
+        </p:txBody>
+      </p:sp>
+    </p:spTree>
+    <p:extLst>
+      <p:ext uri="{BB962C8B-B14F-4D97-AF65-F5344CB8AC3E}">
+        <p14:creationId xmlns:p14="http://schemas.microsoft.com/office/powerpoint/2010/main" val="1662010322"/>
+      </p:ext>
+    </p:extLst>
+  </p:cSld>
+  <p:clrMapOvr>
+    <a:masterClrMapping/>
+  </p:clrMapOvr>
+</p:sld>
+</file>
+
+<file path=ppt/slides/slide15.xml><?xml version="1.0" encoding="utf-8"?>
+<p:sld xmlns:a="http://schemas.openxmlformats.org/drawingml/2006/main" xmlns:r="http://schemas.openxmlformats.org/officeDocument/2006/relationships" xmlns:p="http://schemas.openxmlformats.org/presentationml/2006/main">
+  <p:cSld>
+    <p:spTree>
+      <p:nvGrpSpPr>
+        <p:cNvPr id="1" name=""/>
+        <p:cNvGrpSpPr/>
+        <p:nvPr/>
+      </p:nvGrpSpPr>
+      <p:grpSpPr>
+        <a:xfrm>
+          <a:off x="0" y="0"/>
+          <a:ext cx="0" cy="0"/>
+          <a:chOff x="0" y="0"/>
+          <a:chExt cx="0" cy="0"/>
+        </a:xfrm>
+      </p:grpSpPr>
+      <p:sp>
+        <p:nvSpPr>
+          <p:cNvPr id="2" name="TextBox 1">
+            <a:extLst>
+              <a:ext uri="{FF2B5EF4-FFF2-40B4-BE49-F238E27FC236}">
+                <a16:creationId xmlns:a16="http://schemas.microsoft.com/office/drawing/2014/main" id="{D26FA23B-AFED-46E8-91EB-F49D46080A1B}"/>
+              </a:ext>
+            </a:extLst>
+          </p:cNvPr>
+          <p:cNvSpPr txBox="1"/>
+          <p:nvPr/>
+        </p:nvSpPr>
+        <p:spPr>
+          <a:xfrm>
+            <a:off x="4424709" y="203776"/>
+            <a:ext cx="3243196" cy="430887"/>
+          </a:xfrm>
+          <a:prstGeom prst="rect">
+            <a:avLst/>
+          </a:prstGeom>
+          <a:noFill/>
+        </p:spPr>
+        <p:txBody>
+          <a:bodyPr wrap="none" rtlCol="0">
+            <a:spAutoFit/>
+          </a:bodyPr>
+          <a:lstStyle/>
+          <a:p>
+            <a:r>
+              <a:rPr lang="en-US" sz="2200" b="1" dirty="0">
+                <a:solidFill>
+                  <a:srgbClr val="FF9000"/>
+                </a:solidFill>
+                <a:latin typeface="Montserrat" panose="00000500000000000000" pitchFamily="2" charset="0"/>
+              </a:rPr>
+              <a:t>Relational Operators</a:t>
+            </a:r>
+          </a:p>
+        </p:txBody>
+      </p:sp>
+      <p:sp>
+        <p:nvSpPr>
+          <p:cNvPr id="3" name="TextBox 2">
+            <a:extLst>
+              <a:ext uri="{FF2B5EF4-FFF2-40B4-BE49-F238E27FC236}">
+                <a16:creationId xmlns:a16="http://schemas.microsoft.com/office/drawing/2014/main" id="{CAE67547-E8A3-4B98-A961-95DBEAC696C0}"/>
+              </a:ext>
+            </a:extLst>
+          </p:cNvPr>
+          <p:cNvSpPr txBox="1"/>
+          <p:nvPr/>
+        </p:nvSpPr>
+        <p:spPr>
+          <a:xfrm>
+            <a:off x="780928" y="1861218"/>
+            <a:ext cx="10530349" cy="2139047"/>
+          </a:xfrm>
+          <a:prstGeom prst="rect">
+            <a:avLst/>
+          </a:prstGeom>
+          <a:noFill/>
+        </p:spPr>
+        <p:txBody>
+          <a:bodyPr wrap="square">
+            <a:spAutoFit/>
+          </a:bodyPr>
+          <a:lstStyle/>
+          <a:p>
+            <a:pPr algn="ctr"/>
+            <a:r>
+              <a:rPr lang="en-US" sz="11500" dirty="0">
+                <a:solidFill>
+                  <a:srgbClr val="FF9000"/>
+                </a:solidFill>
+                <a:latin typeface="Montserrat" panose="00000500000000000000" pitchFamily="2" charset="0"/>
+                <a:ea typeface="open sans" panose="020B0606030504020204" pitchFamily="34" charset="0"/>
+                <a:cs typeface="open sans" panose="020B0606030504020204" pitchFamily="34" charset="0"/>
+              </a:rPr>
+              <a:t>“</a:t>
+            </a:r>
+            <a:r>
+              <a:rPr lang="en-US" dirty="0">
+                <a:latin typeface="open sans" panose="020B0606030504020204" pitchFamily="34" charset="0"/>
+                <a:ea typeface="open sans" panose="020B0606030504020204" pitchFamily="34" charset="0"/>
+                <a:cs typeface="open sans" panose="020B0606030504020204" pitchFamily="34" charset="0"/>
+              </a:rPr>
+              <a:t>Relational operators allow us compare values to determine if one is greater than, less than, equal to, or not equal to another.</a:t>
+            </a:r>
+          </a:p>
+        </p:txBody>
+      </p:sp>
+    </p:spTree>
+    <p:extLst>
+      <p:ext uri="{BB962C8B-B14F-4D97-AF65-F5344CB8AC3E}">
+        <p14:creationId xmlns:p14="http://schemas.microsoft.com/office/powerpoint/2010/main" val="620331381"/>
+      </p:ext>
+    </p:extLst>
+  </p:cSld>
+  <p:clrMapOvr>
+    <a:masterClrMapping/>
+  </p:clrMapOvr>
+  <p:timing>
+    <p:tnLst>
+      <p:par>
+        <p:cTn id="1" dur="indefinite" restart="never" nodeType="tmRoot">
+          <p:childTnLst>
+            <p:seq concurrent="1" nextAc="seek">
+              <p:cTn id="2" dur="indefinite" nodeType="mainSeq">
+                <p:childTnLst>
+                  <p:par>
+                    <p:cTn id="3" fill="hold">
+                      <p:stCondLst>
+                        <p:cond delay="indefinite"/>
+                      </p:stCondLst>
+                      <p:childTnLst>
+                        <p:par>
+                          <p:cTn id="4" fill="hold">
+                            <p:stCondLst>
+                              <p:cond delay="0"/>
+                            </p:stCondLst>
+                            <p:childTnLst>
+                              <p:par>
+                                <p:cTn id="5" presetID="10" presetClass="entr" presetSubtype="0" fill="hold" grpId="0" nodeType="clickEffect">
+                                  <p:stCondLst>
+                                    <p:cond delay="0"/>
+                                  </p:stCondLst>
+                                  <p:childTnLst>
+                                    <p:set>
+                                      <p:cBhvr>
+                                        <p:cTn id="6" dur="1" fill="hold">
+                                          <p:stCondLst>
+                                            <p:cond delay="0"/>
+                                          </p:stCondLst>
+                                        </p:cTn>
+                                        <p:tgtEl>
+                                          <p:spTgt spid="3"/>
+                                        </p:tgtEl>
+                                        <p:attrNameLst>
+                                          <p:attrName>style.visibility</p:attrName>
+                                        </p:attrNameLst>
+                                      </p:cBhvr>
+                                      <p:to>
+                                        <p:strVal val="visible"/>
+                                      </p:to>
+                                    </p:set>
+                                    <p:animEffect transition="in" filter="fade">
+                                      <p:cBhvr>
+                                        <p:cTn id="7" dur="500"/>
+                                        <p:tgtEl>
+                                          <p:spTgt spid="3"/>
+                                        </p:tgtEl>
+                                      </p:cBhvr>
+                                    </p:animEffect>
+                                  </p:childTnLst>
+                                </p:cTn>
+                              </p:par>
+                            </p:childTnLst>
+                          </p:cTn>
+                        </p:par>
+                      </p:childTnLst>
+                    </p:cTn>
+                  </p:par>
+                </p:childTnLst>
+              </p:cTn>
+              <p:prevCondLst>
+                <p:cond evt="onPrev" delay="0">
+                  <p:tgtEl>
+                    <p:sldTgt/>
+                  </p:tgtEl>
+                </p:cond>
+              </p:prevCondLst>
+              <p:nextCondLst>
+                <p:cond evt="onNext" delay="0">
+                  <p:tgtEl>
+                    <p:sldTgt/>
+                  </p:tgtEl>
+                </p:cond>
+              </p:nextCondLst>
+            </p:seq>
+          </p:childTnLst>
+        </p:cTn>
+      </p:par>
+    </p:tnLst>
+    <p:bldLst>
+      <p:bldP spid="3" grpId="0"/>
+    </p:bldLst>
+  </p:timing>
+</p:sld>
+</file>
+
+<file path=ppt/slides/slide16.xml><?xml version="1.0" encoding="utf-8"?>
+<p:sld xmlns:a="http://schemas.openxmlformats.org/drawingml/2006/main" xmlns:r="http://schemas.openxmlformats.org/officeDocument/2006/relationships" xmlns:p="http://schemas.openxmlformats.org/presentationml/2006/main">
+  <p:cSld>
+    <p:spTree>
+      <p:nvGrpSpPr>
+        <p:cNvPr id="1" name=""/>
+        <p:cNvGrpSpPr/>
+        <p:nvPr/>
+      </p:nvGrpSpPr>
+      <p:grpSpPr>
+        <a:xfrm>
+          <a:off x="0" y="0"/>
+          <a:ext cx="0" cy="0"/>
+          <a:chOff x="0" y="0"/>
+          <a:chExt cx="0" cy="0"/>
+        </a:xfrm>
+      </p:grpSpPr>
+      <p:sp>
+        <p:nvSpPr>
+          <p:cNvPr id="2" name="TextBox 1">
+            <a:extLst>
+              <a:ext uri="{FF2B5EF4-FFF2-40B4-BE49-F238E27FC236}">
                 <a16:creationId xmlns:a16="http://schemas.microsoft.com/office/drawing/2014/main" id="{92238AEF-3B1F-4B32-9EC7-92AEA2A5CCB8}"/>
               </a:ext>
             </a:extLst>
@@ -4692,13 +5607,274 @@
                   <a:srgbClr val="FFC000"/>
                 </a:solidFill>
               </a:rPr>
-              <a:t>&lt;=                  &gt;=                          !=</a:t>
+              <a:t>&lt;=                    &gt;=                        !=</a:t>
             </a:r>
             <a:endParaRPr lang="en-US" sz="2800" b="1" dirty="0">
               <a:solidFill>
                 <a:srgbClr val="FFC000"/>
               </a:solidFill>
             </a:endParaRPr>
+          </a:p>
+        </p:txBody>
+      </p:sp>
+      <p:sp>
+        <p:nvSpPr>
+          <p:cNvPr id="4" name="TextBox 3">
+            <a:extLst>
+              <a:ext uri="{FF2B5EF4-FFF2-40B4-BE49-F238E27FC236}">
+                <a16:creationId xmlns:a16="http://schemas.microsoft.com/office/drawing/2014/main" id="{8BF727CE-D34D-455E-8BF8-176A3EB0FE7D}"/>
+              </a:ext>
+            </a:extLst>
+          </p:cNvPr>
+          <p:cNvSpPr txBox="1"/>
+          <p:nvPr/>
+        </p:nvSpPr>
+        <p:spPr>
+          <a:xfrm>
+            <a:off x="1211589" y="2571065"/>
+            <a:ext cx="1017394" cy="369332"/>
+          </a:xfrm>
+          <a:prstGeom prst="rect">
+            <a:avLst/>
+          </a:prstGeom>
+          <a:noFill/>
+        </p:spPr>
+        <p:txBody>
+          <a:bodyPr wrap="none" rtlCol="0">
+            <a:spAutoFit/>
+          </a:bodyPr>
+          <a:lstStyle/>
+          <a:p>
+            <a:r>
+              <a:rPr lang="en-US" b="1" dirty="0"/>
+              <a:t>Equal to </a:t>
+            </a:r>
+          </a:p>
+        </p:txBody>
+      </p:sp>
+      <p:sp>
+        <p:nvSpPr>
+          <p:cNvPr id="5" name="TextBox 4">
+            <a:extLst>
+              <a:ext uri="{FF2B5EF4-FFF2-40B4-BE49-F238E27FC236}">
+                <a16:creationId xmlns:a16="http://schemas.microsoft.com/office/drawing/2014/main" id="{F4806E5F-7E0D-42FE-98C7-CEA9F9190CC7}"/>
+              </a:ext>
+            </a:extLst>
+          </p:cNvPr>
+          <p:cNvSpPr txBox="1"/>
+          <p:nvPr/>
+        </p:nvSpPr>
+        <p:spPr>
+          <a:xfrm>
+            <a:off x="5444376" y="2571065"/>
+            <a:ext cx="1074333" cy="369332"/>
+          </a:xfrm>
+          <a:prstGeom prst="rect">
+            <a:avLst/>
+          </a:prstGeom>
+          <a:noFill/>
+        </p:spPr>
+        <p:txBody>
+          <a:bodyPr wrap="none" rtlCol="0">
+            <a:spAutoFit/>
+          </a:bodyPr>
+          <a:lstStyle/>
+          <a:p>
+            <a:r>
+              <a:rPr lang="en-US" b="1" dirty="0"/>
+              <a:t>Less than</a:t>
+            </a:r>
+          </a:p>
+        </p:txBody>
+      </p:sp>
+      <p:sp>
+        <p:nvSpPr>
+          <p:cNvPr id="6" name="TextBox 5">
+            <a:extLst>
+              <a:ext uri="{FF2B5EF4-FFF2-40B4-BE49-F238E27FC236}">
+                <a16:creationId xmlns:a16="http://schemas.microsoft.com/office/drawing/2014/main" id="{C1929949-71CB-4177-B181-DF19C3BE5EA0}"/>
+              </a:ext>
+            </a:extLst>
+          </p:cNvPr>
+          <p:cNvSpPr txBox="1"/>
+          <p:nvPr/>
+        </p:nvSpPr>
+        <p:spPr>
+          <a:xfrm>
+            <a:off x="10308512" y="2571065"/>
+            <a:ext cx="1406667" cy="369332"/>
+          </a:xfrm>
+          <a:prstGeom prst="rect">
+            <a:avLst/>
+          </a:prstGeom>
+          <a:noFill/>
+        </p:spPr>
+        <p:txBody>
+          <a:bodyPr wrap="none" rtlCol="0">
+            <a:spAutoFit/>
+          </a:bodyPr>
+          <a:lstStyle/>
+          <a:p>
+            <a:r>
+              <a:rPr lang="en-US" b="1" dirty="0"/>
+              <a:t>Greater than</a:t>
+            </a:r>
+          </a:p>
+        </p:txBody>
+      </p:sp>
+      <p:sp>
+        <p:nvSpPr>
+          <p:cNvPr id="7" name="TextBox 6">
+            <a:extLst>
+              <a:ext uri="{FF2B5EF4-FFF2-40B4-BE49-F238E27FC236}">
+                <a16:creationId xmlns:a16="http://schemas.microsoft.com/office/drawing/2014/main" id="{E7011AA3-0FB9-457C-A7A5-29BA9FCEEDDC}"/>
+              </a:ext>
+            </a:extLst>
+          </p:cNvPr>
+          <p:cNvSpPr txBox="1"/>
+          <p:nvPr/>
+        </p:nvSpPr>
+        <p:spPr>
+          <a:xfrm>
+            <a:off x="5103481" y="4640221"/>
+            <a:ext cx="1756122" cy="369332"/>
+          </a:xfrm>
+          <a:prstGeom prst="rect">
+            <a:avLst/>
+          </a:prstGeom>
+          <a:noFill/>
+        </p:spPr>
+        <p:txBody>
+          <a:bodyPr wrap="none" rtlCol="0">
+            <a:spAutoFit/>
+          </a:bodyPr>
+          <a:lstStyle/>
+          <a:p>
+            <a:r>
+              <a:rPr lang="en-US" b="1" dirty="0"/>
+              <a:t>Greater or equal</a:t>
+            </a:r>
+          </a:p>
+        </p:txBody>
+      </p:sp>
+      <p:sp>
+        <p:nvSpPr>
+          <p:cNvPr id="8" name="TextBox 7">
+            <a:extLst>
+              <a:ext uri="{FF2B5EF4-FFF2-40B4-BE49-F238E27FC236}">
+                <a16:creationId xmlns:a16="http://schemas.microsoft.com/office/drawing/2014/main" id="{498E662D-EB75-48C2-B20E-C0B3742BB3F4}"/>
+              </a:ext>
+            </a:extLst>
+          </p:cNvPr>
+          <p:cNvSpPr txBox="1"/>
+          <p:nvPr/>
+        </p:nvSpPr>
+        <p:spPr>
+          <a:xfrm>
+            <a:off x="1180011" y="4728089"/>
+            <a:ext cx="1423788" cy="369332"/>
+          </a:xfrm>
+          <a:prstGeom prst="rect">
+            <a:avLst/>
+          </a:prstGeom>
+          <a:noFill/>
+        </p:spPr>
+        <p:txBody>
+          <a:bodyPr wrap="none" rtlCol="0">
+            <a:spAutoFit/>
+          </a:bodyPr>
+          <a:lstStyle/>
+          <a:p>
+            <a:r>
+              <a:rPr lang="en-US" b="1" dirty="0"/>
+              <a:t>Less or equal</a:t>
+            </a:r>
+          </a:p>
+        </p:txBody>
+      </p:sp>
+      <p:sp>
+        <p:nvSpPr>
+          <p:cNvPr id="9" name="TextBox 8">
+            <a:extLst>
+              <a:ext uri="{FF2B5EF4-FFF2-40B4-BE49-F238E27FC236}">
+                <a16:creationId xmlns:a16="http://schemas.microsoft.com/office/drawing/2014/main" id="{00F455AB-78D6-4E9C-8B26-AC6A0ABC0A12}"/>
+              </a:ext>
+            </a:extLst>
+          </p:cNvPr>
+          <p:cNvSpPr txBox="1"/>
+          <p:nvPr/>
+        </p:nvSpPr>
+        <p:spPr>
+          <a:xfrm>
+            <a:off x="10175290" y="4728089"/>
+            <a:ext cx="1171924" cy="369332"/>
+          </a:xfrm>
+          <a:prstGeom prst="rect">
+            <a:avLst/>
+          </a:prstGeom>
+          <a:noFill/>
+        </p:spPr>
+        <p:txBody>
+          <a:bodyPr wrap="none" rtlCol="0">
+            <a:spAutoFit/>
+          </a:bodyPr>
+          <a:lstStyle/>
+          <a:p>
+            <a:r>
+              <a:rPr lang="en-US" b="1" dirty="0"/>
+              <a:t>Not Equal </a:t>
+            </a:r>
+          </a:p>
+        </p:txBody>
+      </p:sp>
+      <p:sp>
+        <p:nvSpPr>
+          <p:cNvPr id="10" name="TextBox 9">
+            <a:extLst>
+              <a:ext uri="{FF2B5EF4-FFF2-40B4-BE49-F238E27FC236}">
+                <a16:creationId xmlns:a16="http://schemas.microsoft.com/office/drawing/2014/main" id="{A8503213-3376-4EDF-8861-68409DCB949B}"/>
+              </a:ext>
+            </a:extLst>
+          </p:cNvPr>
+          <p:cNvSpPr txBox="1"/>
+          <p:nvPr/>
+        </p:nvSpPr>
+        <p:spPr>
+          <a:xfrm>
+            <a:off x="4439937" y="198598"/>
+            <a:ext cx="3312125" cy="769441"/>
+          </a:xfrm>
+          <a:prstGeom prst="rect">
+            <a:avLst/>
+          </a:prstGeom>
+          <a:noFill/>
+        </p:spPr>
+        <p:txBody>
+          <a:bodyPr wrap="none" rtlCol="0">
+            <a:spAutoFit/>
+          </a:bodyPr>
+          <a:lstStyle/>
+          <a:p>
+            <a:r>
+              <a:rPr lang="en-US" sz="2200" b="1" dirty="0">
+                <a:solidFill>
+                  <a:srgbClr val="FF9000"/>
+                </a:solidFill>
+                <a:latin typeface="Montserrat" panose="00000500000000000000" pitchFamily="2" charset="0"/>
+              </a:rPr>
+              <a:t>Relational Operators</a:t>
+            </a:r>
+          </a:p>
+          <a:p>
+            <a:r>
+              <a:rPr lang="en-US" sz="2200" dirty="0">
+                <a:solidFill>
+                  <a:srgbClr val="FF9000"/>
+                </a:solidFill>
+                <a:latin typeface="Montserrat" panose="00000500000000000000" pitchFamily="2" charset="0"/>
+              </a:rPr>
+              <a:t>(Used for comparison)</a:t>
+            </a:r>
           </a:p>
         </p:txBody>
       </p:sp>
@@ -4715,7 +5891,7 @@
 </p:sld>
 </file>
 
-<file path=ppt/slides/slide14.xml><?xml version="1.0" encoding="utf-8"?>
+<file path=ppt/slides/slide17.xml><?xml version="1.0" encoding="utf-8"?>
 <p:sld xmlns:a="http://schemas.openxmlformats.org/drawingml/2006/main" xmlns:r="http://schemas.openxmlformats.org/officeDocument/2006/relationships" xmlns:p="http://schemas.openxmlformats.org/presentationml/2006/main">
   <p:cSld>
     <p:spTree>
@@ -4945,7 +6121,7 @@
 </p:sld>
 </file>
 
-<file path=ppt/slides/slide15.xml><?xml version="1.0" encoding="utf-8"?>
+<file path=ppt/slides/slide18.xml><?xml version="1.0" encoding="utf-8"?>
 <p:sld xmlns:a="http://schemas.openxmlformats.org/drawingml/2006/main" xmlns:r="http://schemas.openxmlformats.org/officeDocument/2006/relationships" xmlns:p="http://schemas.openxmlformats.org/presentationml/2006/main">
   <p:cSld>
     <p:spTree>
@@ -5036,10 +6212,287 @@
           </a:p>
         </p:txBody>
       </p:sp>
+      <p:sp>
+        <p:nvSpPr>
+          <p:cNvPr id="4" name="TextBox 3">
+            <a:extLst>
+              <a:ext uri="{FF2B5EF4-FFF2-40B4-BE49-F238E27FC236}">
+                <a16:creationId xmlns:a16="http://schemas.microsoft.com/office/drawing/2014/main" id="{841477EA-4FD0-45C2-B373-A6CF81EF69E5}"/>
+              </a:ext>
+            </a:extLst>
+          </p:cNvPr>
+          <p:cNvSpPr txBox="1"/>
+          <p:nvPr/>
+        </p:nvSpPr>
+        <p:spPr>
+          <a:xfrm>
+            <a:off x="3849522" y="233273"/>
+            <a:ext cx="4735592" cy="430887"/>
+          </a:xfrm>
+          <a:prstGeom prst="rect">
+            <a:avLst/>
+          </a:prstGeom>
+          <a:noFill/>
+        </p:spPr>
+        <p:txBody>
+          <a:bodyPr wrap="none" rtlCol="0">
+            <a:spAutoFit/>
+          </a:bodyPr>
+          <a:lstStyle/>
+          <a:p>
+            <a:r>
+              <a:rPr lang="en-US" sz="2200" b="1" dirty="0">
+                <a:solidFill>
+                  <a:srgbClr val="FF9000"/>
+                </a:solidFill>
+                <a:latin typeface="Montserrat" panose="00000500000000000000" pitchFamily="2" charset="0"/>
+              </a:rPr>
+              <a:t>Logical / Compound Operators</a:t>
+            </a:r>
+          </a:p>
+        </p:txBody>
+      </p:sp>
     </p:spTree>
     <p:extLst>
       <p:ext uri="{BB962C8B-B14F-4D97-AF65-F5344CB8AC3E}">
         <p14:creationId xmlns:p14="http://schemas.microsoft.com/office/powerpoint/2010/main" val="2055833865"/>
+      </p:ext>
+    </p:extLst>
+  </p:cSld>
+  <p:clrMapOvr>
+    <a:masterClrMapping/>
+  </p:clrMapOvr>
+</p:sld>
+</file>
+
+<file path=ppt/slides/slide19.xml><?xml version="1.0" encoding="utf-8"?>
+<p:sld xmlns:a="http://schemas.openxmlformats.org/drawingml/2006/main" xmlns:r="http://schemas.openxmlformats.org/officeDocument/2006/relationships" xmlns:p="http://schemas.openxmlformats.org/presentationml/2006/main">
+  <p:cSld>
+    <p:spTree>
+      <p:nvGrpSpPr>
+        <p:cNvPr id="1" name=""/>
+        <p:cNvGrpSpPr/>
+        <p:nvPr/>
+      </p:nvGrpSpPr>
+      <p:grpSpPr>
+        <a:xfrm>
+          <a:off x="0" y="0"/>
+          <a:ext cx="0" cy="0"/>
+          <a:chOff x="0" y="0"/>
+          <a:chExt cx="0" cy="0"/>
+        </a:xfrm>
+      </p:grpSpPr>
+      <p:sp>
+        <p:nvSpPr>
+          <p:cNvPr id="2" name="TextBox 1">
+            <a:extLst>
+              <a:ext uri="{FF2B5EF4-FFF2-40B4-BE49-F238E27FC236}">
+                <a16:creationId xmlns:a16="http://schemas.microsoft.com/office/drawing/2014/main" id="{0B35D728-FEA5-4D10-9FA5-122A3DFDF4E9}"/>
+              </a:ext>
+            </a:extLst>
+          </p:cNvPr>
+          <p:cNvSpPr txBox="1"/>
+          <p:nvPr/>
+        </p:nvSpPr>
+        <p:spPr>
+          <a:xfrm>
+            <a:off x="5172510" y="144782"/>
+            <a:ext cx="1321196" cy="430887"/>
+          </a:xfrm>
+          <a:prstGeom prst="rect">
+            <a:avLst/>
+          </a:prstGeom>
+          <a:noFill/>
+        </p:spPr>
+        <p:txBody>
+          <a:bodyPr wrap="none" rtlCol="0">
+            <a:spAutoFit/>
+          </a:bodyPr>
+          <a:lstStyle/>
+          <a:p>
+            <a:r>
+              <a:rPr lang="en-US" sz="2200" b="1" dirty="0">
+                <a:solidFill>
+                  <a:srgbClr val="FF9000"/>
+                </a:solidFill>
+                <a:latin typeface="Montserrat" panose="00000500000000000000" pitchFamily="2" charset="0"/>
+              </a:rPr>
+              <a:t>Activity</a:t>
+            </a:r>
+          </a:p>
+        </p:txBody>
+      </p:sp>
+      <p:pic>
+        <p:nvPicPr>
+          <p:cNvPr id="4" name="Picture 3">
+            <a:extLst>
+              <a:ext uri="{FF2B5EF4-FFF2-40B4-BE49-F238E27FC236}">
+                <a16:creationId xmlns:a16="http://schemas.microsoft.com/office/drawing/2014/main" id="{51C9EBDC-0EB8-45DA-9FC3-98C3EB2230FF}"/>
+              </a:ext>
+            </a:extLst>
+          </p:cNvPr>
+          <p:cNvPicPr>
+            <a:picLocks noChangeAspect="1"/>
+          </p:cNvPicPr>
+          <p:nvPr/>
+        </p:nvPicPr>
+        <p:blipFill>
+          <a:blip r:embed="rId2">
+            <a:extLst>
+              <a:ext uri="{28A0092B-C50C-407E-A947-70E740481C1C}">
+                <a14:useLocalDpi xmlns:a14="http://schemas.microsoft.com/office/drawing/2010/main" val="0"/>
+              </a:ext>
+            </a:extLst>
+          </a:blip>
+          <a:stretch>
+            <a:fillRect/>
+          </a:stretch>
+        </p:blipFill>
+        <p:spPr>
+          <a:xfrm>
+            <a:off x="276730" y="276730"/>
+            <a:ext cx="430887" cy="430887"/>
+          </a:xfrm>
+          <a:prstGeom prst="rect">
+            <a:avLst/>
+          </a:prstGeom>
+        </p:spPr>
+      </p:pic>
+      <p:pic>
+        <p:nvPicPr>
+          <p:cNvPr id="5" name="Picture 4">
+            <a:extLst>
+              <a:ext uri="{FF2B5EF4-FFF2-40B4-BE49-F238E27FC236}">
+                <a16:creationId xmlns:a16="http://schemas.microsoft.com/office/drawing/2014/main" id="{013F46FA-D79B-4876-8DDD-943390651EE6}"/>
+              </a:ext>
+            </a:extLst>
+          </p:cNvPr>
+          <p:cNvPicPr>
+            <a:picLocks noChangeAspect="1"/>
+          </p:cNvPicPr>
+          <p:nvPr/>
+        </p:nvPicPr>
+        <p:blipFill>
+          <a:blip r:embed="rId2">
+            <a:extLst>
+              <a:ext uri="{28A0092B-C50C-407E-A947-70E740481C1C}">
+                <a14:useLocalDpi xmlns:a14="http://schemas.microsoft.com/office/drawing/2010/main" val="0"/>
+              </a:ext>
+            </a:extLst>
+          </a:blip>
+          <a:stretch>
+            <a:fillRect/>
+          </a:stretch>
+        </p:blipFill>
+        <p:spPr>
+          <a:xfrm>
+            <a:off x="11541996" y="6207996"/>
+            <a:ext cx="369786" cy="369786"/>
+          </a:xfrm>
+          <a:prstGeom prst="rect">
+            <a:avLst/>
+          </a:prstGeom>
+        </p:spPr>
+      </p:pic>
+      <p:sp>
+        <p:nvSpPr>
+          <p:cNvPr id="6" name="TextBox 5">
+            <a:extLst>
+              <a:ext uri="{FF2B5EF4-FFF2-40B4-BE49-F238E27FC236}">
+                <a16:creationId xmlns:a16="http://schemas.microsoft.com/office/drawing/2014/main" id="{078B58A5-039F-4D10-A008-8AE209FA8D83}"/>
+              </a:ext>
+            </a:extLst>
+          </p:cNvPr>
+          <p:cNvSpPr txBox="1"/>
+          <p:nvPr/>
+        </p:nvSpPr>
+        <p:spPr>
+          <a:xfrm>
+            <a:off x="707617" y="2468096"/>
+            <a:ext cx="10869560" cy="1921808"/>
+          </a:xfrm>
+          <a:prstGeom prst="rect">
+            <a:avLst/>
+          </a:prstGeom>
+          <a:noFill/>
+        </p:spPr>
+        <p:txBody>
+          <a:bodyPr wrap="square" rtlCol="0">
+            <a:spAutoFit/>
+          </a:bodyPr>
+          <a:lstStyle/>
+          <a:p>
+            <a:pPr algn="ctr">
+              <a:lnSpc>
+                <a:spcPct val="200000"/>
+              </a:lnSpc>
+            </a:pPr>
+            <a:r>
+              <a:rPr lang="en-US" sz="3200" dirty="0">
+                <a:latin typeface="open sans" panose="020B0606030504020204" pitchFamily="34" charset="0"/>
+                <a:ea typeface="open sans" panose="020B0606030504020204" pitchFamily="34" charset="0"/>
+                <a:cs typeface="open sans" panose="020B0606030504020204" pitchFamily="34" charset="0"/>
+              </a:rPr>
+              <a:t>Write the output for the following expressions</a:t>
+            </a:r>
+          </a:p>
+          <a:p>
+            <a:pPr algn="ctr">
+              <a:lnSpc>
+                <a:spcPct val="200000"/>
+              </a:lnSpc>
+            </a:pPr>
+            <a:endParaRPr lang="en-US" sz="3200" dirty="0">
+              <a:latin typeface="open sans" panose="020B0606030504020204" pitchFamily="34" charset="0"/>
+              <a:ea typeface="open sans" panose="020B0606030504020204" pitchFamily="34" charset="0"/>
+              <a:cs typeface="open sans" panose="020B0606030504020204" pitchFamily="34" charset="0"/>
+            </a:endParaRPr>
+          </a:p>
+        </p:txBody>
+      </p:sp>
+      <p:sp>
+        <p:nvSpPr>
+          <p:cNvPr id="3" name="TextBox 2">
+            <a:extLst>
+              <a:ext uri="{FF2B5EF4-FFF2-40B4-BE49-F238E27FC236}">
+                <a16:creationId xmlns:a16="http://schemas.microsoft.com/office/drawing/2014/main" id="{873F191D-6411-48A4-906D-5706B06A685E}"/>
+              </a:ext>
+            </a:extLst>
+          </p:cNvPr>
+          <p:cNvSpPr txBox="1"/>
+          <p:nvPr/>
+        </p:nvSpPr>
+        <p:spPr>
+          <a:xfrm>
+            <a:off x="11417020" y="5612368"/>
+            <a:ext cx="619738" cy="369332"/>
+          </a:xfrm>
+          <a:prstGeom prst="rect">
+            <a:avLst/>
+          </a:prstGeom>
+          <a:noFill/>
+        </p:spPr>
+        <p:txBody>
+          <a:bodyPr wrap="square" rtlCol="0">
+            <a:spAutoFit/>
+          </a:bodyPr>
+          <a:lstStyle/>
+          <a:p>
+            <a:r>
+              <a:rPr lang="en-US" b="1" dirty="0">
+                <a:solidFill>
+                  <a:srgbClr val="FF0000"/>
+                </a:solidFill>
+              </a:rPr>
+              <a:t>PTO</a:t>
+            </a:r>
+          </a:p>
+        </p:txBody>
+      </p:sp>
+    </p:spTree>
+    <p:extLst>
+      <p:ext uri="{BB962C8B-B14F-4D97-AF65-F5344CB8AC3E}">
+        <p14:creationId xmlns:p14="http://schemas.microsoft.com/office/powerpoint/2010/main" val="313063146"/>
       </p:ext>
     </p:extLst>
   </p:cSld>
@@ -5257,6 +6710,358 @@
       <p:bldP spid="6" grpId="0"/>
     </p:bldLst>
   </p:timing>
+</p:sld>
+</file>
+
+<file path=ppt/slides/slide20.xml><?xml version="1.0" encoding="utf-8"?>
+<p:sld xmlns:a="http://schemas.openxmlformats.org/drawingml/2006/main" xmlns:r="http://schemas.openxmlformats.org/officeDocument/2006/relationships" xmlns:p="http://schemas.openxmlformats.org/presentationml/2006/main">
+  <p:cSld>
+    <p:spTree>
+      <p:nvGrpSpPr>
+        <p:cNvPr id="1" name=""/>
+        <p:cNvGrpSpPr/>
+        <p:nvPr/>
+      </p:nvGrpSpPr>
+      <p:grpSpPr>
+        <a:xfrm>
+          <a:off x="0" y="0"/>
+          <a:ext cx="0" cy="0"/>
+          <a:chOff x="0" y="0"/>
+          <a:chExt cx="0" cy="0"/>
+        </a:xfrm>
+      </p:grpSpPr>
+      <p:sp>
+        <p:nvSpPr>
+          <p:cNvPr id="2" name="TextBox 1">
+            <a:extLst>
+              <a:ext uri="{FF2B5EF4-FFF2-40B4-BE49-F238E27FC236}">
+                <a16:creationId xmlns:a16="http://schemas.microsoft.com/office/drawing/2014/main" id="{016A1ED0-7228-4121-B84B-686F8BCD3459}"/>
+              </a:ext>
+            </a:extLst>
+          </p:cNvPr>
+          <p:cNvSpPr txBox="1"/>
+          <p:nvPr/>
+        </p:nvSpPr>
+        <p:spPr>
+          <a:xfrm>
+            <a:off x="5196555" y="174279"/>
+            <a:ext cx="1681871" cy="430887"/>
+          </a:xfrm>
+          <a:prstGeom prst="rect">
+            <a:avLst/>
+          </a:prstGeom>
+          <a:noFill/>
+        </p:spPr>
+        <p:txBody>
+          <a:bodyPr wrap="none" rtlCol="0">
+            <a:spAutoFit/>
+          </a:bodyPr>
+          <a:lstStyle/>
+          <a:p>
+            <a:r>
+              <a:rPr lang="en-US" sz="2200" b="1" dirty="0">
+                <a:solidFill>
+                  <a:srgbClr val="FF9000"/>
+                </a:solidFill>
+                <a:latin typeface="Montserrat" panose="00000500000000000000" pitchFamily="2" charset="0"/>
+              </a:rPr>
+              <a:t>Questions</a:t>
+            </a:r>
+          </a:p>
+        </p:txBody>
+      </p:sp>
+      <p:pic>
+        <p:nvPicPr>
+          <p:cNvPr id="3" name="Picture 2">
+            <a:extLst>
+              <a:ext uri="{FF2B5EF4-FFF2-40B4-BE49-F238E27FC236}">
+                <a16:creationId xmlns:a16="http://schemas.microsoft.com/office/drawing/2014/main" id="{1A18D9A7-3AA0-4BDA-BCB9-0ECBCBF03274}"/>
+              </a:ext>
+            </a:extLst>
+          </p:cNvPr>
+          <p:cNvPicPr>
+            <a:picLocks noChangeAspect="1"/>
+          </p:cNvPicPr>
+          <p:nvPr/>
+        </p:nvPicPr>
+        <p:blipFill>
+          <a:blip r:embed="rId2">
+            <a:extLst>
+              <a:ext uri="{28A0092B-C50C-407E-A947-70E740481C1C}">
+                <a14:useLocalDpi xmlns:a14="http://schemas.microsoft.com/office/drawing/2010/main" val="0"/>
+              </a:ext>
+            </a:extLst>
+          </a:blip>
+          <a:stretch>
+            <a:fillRect/>
+          </a:stretch>
+        </p:blipFill>
+        <p:spPr>
+          <a:xfrm>
+            <a:off x="276730" y="276730"/>
+            <a:ext cx="430887" cy="430887"/>
+          </a:xfrm>
+          <a:prstGeom prst="rect">
+            <a:avLst/>
+          </a:prstGeom>
+        </p:spPr>
+      </p:pic>
+      <p:pic>
+        <p:nvPicPr>
+          <p:cNvPr id="4" name="Picture 3">
+            <a:extLst>
+              <a:ext uri="{FF2B5EF4-FFF2-40B4-BE49-F238E27FC236}">
+                <a16:creationId xmlns:a16="http://schemas.microsoft.com/office/drawing/2014/main" id="{A27FD4CE-D5B3-4185-8DD4-ECAC5088B2E1}"/>
+              </a:ext>
+            </a:extLst>
+          </p:cNvPr>
+          <p:cNvPicPr>
+            <a:picLocks noChangeAspect="1"/>
+          </p:cNvPicPr>
+          <p:nvPr/>
+        </p:nvPicPr>
+        <p:blipFill>
+          <a:blip r:embed="rId2">
+            <a:extLst>
+              <a:ext uri="{28A0092B-C50C-407E-A947-70E740481C1C}">
+                <a14:useLocalDpi xmlns:a14="http://schemas.microsoft.com/office/drawing/2010/main" val="0"/>
+              </a:ext>
+            </a:extLst>
+          </a:blip>
+          <a:stretch>
+            <a:fillRect/>
+          </a:stretch>
+        </p:blipFill>
+        <p:spPr>
+          <a:xfrm>
+            <a:off x="11401930" y="6136755"/>
+            <a:ext cx="430887" cy="430887"/>
+          </a:xfrm>
+          <a:prstGeom prst="rect">
+            <a:avLst/>
+          </a:prstGeom>
+        </p:spPr>
+      </p:pic>
+      <p:sp>
+        <p:nvSpPr>
+          <p:cNvPr id="5" name="TextBox 4">
+            <a:extLst>
+              <a:ext uri="{FF2B5EF4-FFF2-40B4-BE49-F238E27FC236}">
+                <a16:creationId xmlns:a16="http://schemas.microsoft.com/office/drawing/2014/main" id="{CF2C7E45-A161-44F7-A08F-1D856DD463B9}"/>
+              </a:ext>
+            </a:extLst>
+          </p:cNvPr>
+          <p:cNvSpPr txBox="1"/>
+          <p:nvPr/>
+        </p:nvSpPr>
+        <p:spPr>
+          <a:xfrm>
+            <a:off x="1079824" y="1209056"/>
+            <a:ext cx="2489286" cy="369332"/>
+          </a:xfrm>
+          <a:prstGeom prst="rect">
+            <a:avLst/>
+          </a:prstGeom>
+          <a:noFill/>
+        </p:spPr>
+        <p:txBody>
+          <a:bodyPr wrap="square" rtlCol="0">
+            <a:spAutoFit/>
+          </a:bodyPr>
+          <a:lstStyle/>
+          <a:p>
+            <a:r>
+              <a:rPr lang="en-US" b="1" dirty="0"/>
+              <a:t>10/3 + 15%3 + 2 + 4*2</a:t>
+            </a:r>
+          </a:p>
+        </p:txBody>
+      </p:sp>
+      <p:sp>
+        <p:nvSpPr>
+          <p:cNvPr id="6" name="TextBox 5">
+            <a:extLst>
+              <a:ext uri="{FF2B5EF4-FFF2-40B4-BE49-F238E27FC236}">
+                <a16:creationId xmlns:a16="http://schemas.microsoft.com/office/drawing/2014/main" id="{D2578006-1D63-47FD-8504-A29BDE26855E}"/>
+              </a:ext>
+            </a:extLst>
+          </p:cNvPr>
+          <p:cNvSpPr txBox="1"/>
+          <p:nvPr/>
+        </p:nvSpPr>
+        <p:spPr>
+          <a:xfrm>
+            <a:off x="1079824" y="1878568"/>
+            <a:ext cx="2725260" cy="369332"/>
+          </a:xfrm>
+          <a:prstGeom prst="rect">
+            <a:avLst/>
+          </a:prstGeom>
+          <a:noFill/>
+        </p:spPr>
+        <p:txBody>
+          <a:bodyPr wrap="square" rtlCol="0">
+            <a:spAutoFit/>
+          </a:bodyPr>
+          <a:lstStyle/>
+          <a:p>
+            <a:r>
+              <a:rPr lang="en-US" b="1" dirty="0"/>
+              <a:t>19%3 + 11%3 + 7*3 + 4*2</a:t>
+            </a:r>
+          </a:p>
+        </p:txBody>
+      </p:sp>
+      <p:sp>
+        <p:nvSpPr>
+          <p:cNvPr id="7" name="TextBox 6">
+            <a:extLst>
+              <a:ext uri="{FF2B5EF4-FFF2-40B4-BE49-F238E27FC236}">
+                <a16:creationId xmlns:a16="http://schemas.microsoft.com/office/drawing/2014/main" id="{F651E2F0-79F8-4EBF-BAB5-891EA5C53321}"/>
+              </a:ext>
+            </a:extLst>
+          </p:cNvPr>
+          <p:cNvSpPr txBox="1"/>
+          <p:nvPr/>
+        </p:nvSpPr>
+        <p:spPr>
+          <a:xfrm>
+            <a:off x="1079824" y="2583722"/>
+            <a:ext cx="2489286" cy="369332"/>
+          </a:xfrm>
+          <a:prstGeom prst="rect">
+            <a:avLst/>
+          </a:prstGeom>
+          <a:noFill/>
+        </p:spPr>
+        <p:txBody>
+          <a:bodyPr wrap="square" rtlCol="0">
+            <a:spAutoFit/>
+          </a:bodyPr>
+          <a:lstStyle/>
+          <a:p>
+            <a:r>
+              <a:rPr lang="en-US" b="1" dirty="0"/>
+              <a:t>11/3 + 10%3 + -5 + 7*1</a:t>
+            </a:r>
+          </a:p>
+        </p:txBody>
+      </p:sp>
+      <p:sp>
+        <p:nvSpPr>
+          <p:cNvPr id="8" name="TextBox 7">
+            <a:extLst>
+              <a:ext uri="{FF2B5EF4-FFF2-40B4-BE49-F238E27FC236}">
+                <a16:creationId xmlns:a16="http://schemas.microsoft.com/office/drawing/2014/main" id="{57CAF69D-0D88-4A56-9BDC-043E253FB123}"/>
+              </a:ext>
+            </a:extLst>
+          </p:cNvPr>
+          <p:cNvSpPr txBox="1"/>
+          <p:nvPr/>
+        </p:nvSpPr>
+        <p:spPr>
+          <a:xfrm>
+            <a:off x="1079824" y="3288876"/>
+            <a:ext cx="2725260" cy="369332"/>
+          </a:xfrm>
+          <a:prstGeom prst="rect">
+            <a:avLst/>
+          </a:prstGeom>
+          <a:noFill/>
+        </p:spPr>
+        <p:txBody>
+          <a:bodyPr wrap="square" rtlCol="0">
+            <a:spAutoFit/>
+          </a:bodyPr>
+          <a:lstStyle/>
+          <a:p>
+            <a:r>
+              <a:rPr lang="en-US" b="1" dirty="0"/>
+              <a:t>10/3 + 21%20 + 2 + 10*2</a:t>
+            </a:r>
+          </a:p>
+        </p:txBody>
+      </p:sp>
+      <p:sp>
+        <p:nvSpPr>
+          <p:cNvPr id="9" name="TextBox 8">
+            <a:extLst>
+              <a:ext uri="{FF2B5EF4-FFF2-40B4-BE49-F238E27FC236}">
+                <a16:creationId xmlns:a16="http://schemas.microsoft.com/office/drawing/2014/main" id="{3EDA395D-7D8B-4E10-A568-C3B69CFBD808}"/>
+              </a:ext>
+            </a:extLst>
+          </p:cNvPr>
+          <p:cNvSpPr txBox="1"/>
+          <p:nvPr/>
+        </p:nvSpPr>
+        <p:spPr>
+          <a:xfrm>
+            <a:off x="1079823" y="3994030"/>
+            <a:ext cx="2828499" cy="369332"/>
+          </a:xfrm>
+          <a:prstGeom prst="rect">
+            <a:avLst/>
+          </a:prstGeom>
+          <a:noFill/>
+        </p:spPr>
+        <p:txBody>
+          <a:bodyPr wrap="square" rtlCol="0">
+            <a:spAutoFit/>
+          </a:bodyPr>
+          <a:lstStyle/>
+          <a:p>
+            <a:r>
+              <a:rPr lang="en-US" b="1" dirty="0"/>
+              <a:t>110/4 + 15%3 + 21 + 41*2</a:t>
+            </a:r>
+          </a:p>
+        </p:txBody>
+      </p:sp>
+      <p:sp>
+        <p:nvSpPr>
+          <p:cNvPr id="12" name="TextBox 11">
+            <a:extLst>
+              <a:ext uri="{FF2B5EF4-FFF2-40B4-BE49-F238E27FC236}">
+                <a16:creationId xmlns:a16="http://schemas.microsoft.com/office/drawing/2014/main" id="{9EC78848-F1C0-4F41-9F8B-ACE9994796F4}"/>
+              </a:ext>
+            </a:extLst>
+          </p:cNvPr>
+          <p:cNvSpPr txBox="1"/>
+          <p:nvPr/>
+        </p:nvSpPr>
+        <p:spPr>
+          <a:xfrm>
+            <a:off x="1028204" y="4614085"/>
+            <a:ext cx="3086596" cy="369332"/>
+          </a:xfrm>
+          <a:prstGeom prst="rect">
+            <a:avLst/>
+          </a:prstGeom>
+          <a:noFill/>
+        </p:spPr>
+        <p:txBody>
+          <a:bodyPr wrap="square" rtlCol="0">
+            <a:spAutoFit/>
+          </a:bodyPr>
+          <a:lstStyle/>
+          <a:p>
+            <a:r>
+              <a:rPr lang="en-US" b="1" dirty="0"/>
+              <a:t>11%4%2 + 15*3%3 + 21 + 41*2</a:t>
+            </a:r>
+          </a:p>
+        </p:txBody>
+      </p:sp>
+    </p:spTree>
+    <p:extLst>
+      <p:ext uri="{BB962C8B-B14F-4D97-AF65-F5344CB8AC3E}">
+        <p14:creationId xmlns:p14="http://schemas.microsoft.com/office/powerpoint/2010/main" val="2929799741"/>
+      </p:ext>
+    </p:extLst>
+  </p:cSld>
+  <p:clrMapOvr>
+    <a:masterClrMapping/>
+  </p:clrMapOvr>
 </p:sld>
 </file>
 
